--- a/Slides/Apresentação.pptx
+++ b/Slides/Apresentação.pptx
@@ -116,6 +116,11 @@
       </a:defRPr>
     </a:lvl9pPr>
   </p:defaultTextStyle>
+  <p:extLst>
+    <p:ext uri="{EFAFB233-063F-42B5-8137-9DF3F51BA10A}">
+      <p15:sldGuideLst xmlns:p15="http://schemas.microsoft.com/office/powerpoint/2012/main"/>
+    </p:ext>
+  </p:extLst>
 </p:presentation>
 </file>
 
@@ -275,7 +280,7 @@
           <a:p>
             <a:fld id="{02AC24A9-CCB6-4F8D-B8DB-C2F3692CFA5A}" type="datetimeFigureOut">
               <a:rPr lang="en-US" smtClean="0"/>
-              <a:t>10/26/2020</a:t>
+              <a:t>10/28/2020</a:t>
             </a:fld>
             <a:endParaRPr lang="en-US" dirty="0"/>
           </a:p>
@@ -645,7 +650,7 @@
           <a:p>
             <a:fld id="{02AC24A9-CCB6-4F8D-B8DB-C2F3692CFA5A}" type="datetimeFigureOut">
               <a:rPr lang="en-US" smtClean="0"/>
-              <a:t>10/26/2020</a:t>
+              <a:t>10/28/2020</a:t>
             </a:fld>
             <a:endParaRPr lang="en-US"/>
           </a:p>
@@ -854,7 +859,7 @@
           <a:p>
             <a:fld id="{02AC24A9-CCB6-4F8D-B8DB-C2F3692CFA5A}" type="datetimeFigureOut">
               <a:rPr lang="en-US" smtClean="0"/>
-              <a:t>10/26/2020</a:t>
+              <a:t>10/28/2020</a:t>
             </a:fld>
             <a:endParaRPr lang="en-US"/>
           </a:p>
@@ -1324,7 +1329,7 @@
           <a:p>
             <a:fld id="{02AC24A9-CCB6-4F8D-B8DB-C2F3692CFA5A}" type="datetimeFigureOut">
               <a:rPr lang="en-US" smtClean="0"/>
-              <a:t>10/26/2020</a:t>
+              <a:t>10/28/2020</a:t>
             </a:fld>
             <a:endParaRPr lang="en-US"/>
           </a:p>
@@ -1778,7 +1783,7 @@
           <a:p>
             <a:fld id="{02AC24A9-CCB6-4F8D-B8DB-C2F3692CFA5A}" type="datetimeFigureOut">
               <a:rPr lang="en-US" smtClean="0"/>
-              <a:t>10/26/2020</a:t>
+              <a:t>10/28/2020</a:t>
             </a:fld>
             <a:endParaRPr lang="en-US"/>
           </a:p>
@@ -2310,7 +2315,7 @@
           <a:p>
             <a:fld id="{02AC24A9-CCB6-4F8D-B8DB-C2F3692CFA5A}" type="datetimeFigureOut">
               <a:rPr lang="en-US" smtClean="0"/>
-              <a:t>10/26/2020</a:t>
+              <a:t>10/28/2020</a:t>
             </a:fld>
             <a:endParaRPr lang="en-US"/>
           </a:p>
@@ -3009,7 +3014,7 @@
           <a:p>
             <a:fld id="{02AC24A9-CCB6-4F8D-B8DB-C2F3692CFA5A}" type="datetimeFigureOut">
               <a:rPr lang="en-US" smtClean="0"/>
-              <a:t>10/26/2020</a:t>
+              <a:t>10/28/2020</a:t>
             </a:fld>
             <a:endParaRPr lang="en-US"/>
           </a:p>
@@ -3338,7 +3343,7 @@
           <a:p>
             <a:fld id="{02AC24A9-CCB6-4F8D-B8DB-C2F3692CFA5A}" type="datetimeFigureOut">
               <a:rPr lang="en-US" smtClean="0"/>
-              <a:t>10/26/2020</a:t>
+              <a:t>10/28/2020</a:t>
             </a:fld>
             <a:endParaRPr lang="en-US"/>
           </a:p>
@@ -3451,7 +3456,7 @@
           <a:p>
             <a:fld id="{02AC24A9-CCB6-4F8D-B8DB-C2F3692CFA5A}" type="datetimeFigureOut">
               <a:rPr lang="en-US" smtClean="0"/>
-              <a:t>10/26/2020</a:t>
+              <a:t>10/28/2020</a:t>
             </a:fld>
             <a:endParaRPr lang="en-US"/>
           </a:p>
@@ -3946,7 +3951,7 @@
           <a:p>
             <a:fld id="{02AC24A9-CCB6-4F8D-B8DB-C2F3692CFA5A}" type="datetimeFigureOut">
               <a:rPr lang="en-US" smtClean="0"/>
-              <a:t>10/26/2020</a:t>
+              <a:t>10/28/2020</a:t>
             </a:fld>
             <a:endParaRPr lang="en-US" dirty="0"/>
           </a:p>
@@ -4423,7 +4428,7 @@
           <a:p>
             <a:fld id="{02AC24A9-CCB6-4F8D-B8DB-C2F3692CFA5A}" type="datetimeFigureOut">
               <a:rPr lang="en-US" smtClean="0"/>
-              <a:t>10/26/2020</a:t>
+              <a:t>10/28/2020</a:t>
             </a:fld>
             <a:endParaRPr lang="en-US"/>
           </a:p>
@@ -4666,7 +4671,7 @@
           <a:p>
             <a:fld id="{02AC24A9-CCB6-4F8D-B8DB-C2F3692CFA5A}" type="datetimeFigureOut">
               <a:rPr lang="en-US" smtClean="0"/>
-              <a:t>10/26/2020</a:t>
+              <a:t>10/28/2020</a:t>
             </a:fld>
             <a:endParaRPr lang="en-US"/>
           </a:p>
@@ -14182,7 +14187,7 @@
       </p:grpSpPr>
       <p:sp>
         <p:nvSpPr>
-          <p:cNvPr id="10" name="Rectangle 9">
+          <p:cNvPr id="23" name="Rectangle 22">
             <a:extLst>
               <a:ext uri="{FF2B5EF4-FFF2-40B4-BE49-F238E27FC236}">
                 <a16:creationId xmlns:a16="http://schemas.microsoft.com/office/drawing/2014/main" id="{8D06CE56-3881-4ADA-8CEF-D18B02C242A3}"/>
@@ -14274,7 +14279,7 @@
       </p:sp>
       <p:sp>
         <p:nvSpPr>
-          <p:cNvPr id="12" name="Rectangle 11">
+          <p:cNvPr id="25" name="Rectangle 24">
             <a:extLst>
               <a:ext uri="{FF2B5EF4-FFF2-40B4-BE49-F238E27FC236}">
                 <a16:creationId xmlns:a16="http://schemas.microsoft.com/office/drawing/2014/main" id="{79F3C543-62EC-4433-9C93-A2CD8764E9B4}"/>
@@ -14370,7 +14375,7 @@
       </p:sp>
       <p:sp useBgFill="1">
         <p:nvSpPr>
-          <p:cNvPr id="14" name="Rectangle 13">
+          <p:cNvPr id="27" name="Rectangle 26">
             <a:extLst>
               <a:ext uri="{FF2B5EF4-FFF2-40B4-BE49-F238E27FC236}">
                 <a16:creationId xmlns:a16="http://schemas.microsoft.com/office/drawing/2014/main" id="{C1A1C5D3-C053-4EE9-BE1A-419B6E27CCAE}"/>
@@ -14430,7 +14435,7 @@
       </p:sp>
       <p:sp useBgFill="1">
         <p:nvSpPr>
-          <p:cNvPr id="16" name="Rectangle 15">
+          <p:cNvPr id="29" name="Rectangle 28">
             <a:extLst>
               <a:ext uri="{FF2B5EF4-FFF2-40B4-BE49-F238E27FC236}">
                 <a16:creationId xmlns:a16="http://schemas.microsoft.com/office/drawing/2014/main" id="{A3473CF9-37EB-43E7-89EF-D2D1C53D1DAC}"/>
@@ -14568,7 +14573,7 @@
       </p:sp>
       <p:sp>
         <p:nvSpPr>
-          <p:cNvPr id="18" name="Rectangle: Rounded Corners 17">
+          <p:cNvPr id="31" name="Rectangle: Rounded Corners 30">
             <a:extLst>
               <a:ext uri="{FF2B5EF4-FFF2-40B4-BE49-F238E27FC236}">
                 <a16:creationId xmlns:a16="http://schemas.microsoft.com/office/drawing/2014/main" id="{586B4EF9-43BA-4655-A6FF-1D8E21574C95}"/>
@@ -14662,10 +14667,10 @@
       </p:sp>
       <p:pic>
         <p:nvPicPr>
-          <p:cNvPr id="5" name="Imagem 4" descr="Gráfico, Histograma&#10;&#10;Descrição gerada automaticamente">
-            <a:extLst>
-              <a:ext uri="{FF2B5EF4-FFF2-40B4-BE49-F238E27FC236}">
-                <a16:creationId xmlns:a16="http://schemas.microsoft.com/office/drawing/2014/main" id="{AC12E41A-2DB6-4D40-882A-EA2C87F91AA3}"/>
+          <p:cNvPr id="3" name="Imagem 2">
+            <a:extLst>
+              <a:ext uri="{FF2B5EF4-FFF2-40B4-BE49-F238E27FC236}">
+                <a16:creationId xmlns:a16="http://schemas.microsoft.com/office/drawing/2014/main" id="{A6339E73-D319-41E8-8976-284CFEFF7673}"/>
               </a:ext>
             </a:extLst>
           </p:cNvPr>
@@ -14675,21 +14680,15 @@
           <p:nvPr/>
         </p:nvPicPr>
         <p:blipFill>
-          <a:blip r:embed="rId2">
-            <a:extLst>
-              <a:ext uri="{28A0092B-C50C-407E-A947-70E740481C1C}">
-                <a14:useLocalDpi xmlns:a14="http://schemas.microsoft.com/office/drawing/2010/main" val="0"/>
-              </a:ext>
-            </a:extLst>
-          </a:blip>
+          <a:blip r:embed="rId2"/>
           <a:stretch>
             <a:fillRect/>
           </a:stretch>
         </p:blipFill>
         <p:spPr>
           <a:xfrm>
-            <a:off x="1160444" y="2179990"/>
-            <a:ext cx="9871111" cy="4096512"/>
+            <a:off x="1219199" y="2139484"/>
+            <a:ext cx="9753602" cy="4096512"/>
           </a:xfrm>
           <a:prstGeom prst="rect">
             <a:avLst/>

--- a/Slides/Apresentação.pptx
+++ b/Slides/Apresentação.pptx
@@ -14,9 +14,9 @@
     <p:sldId id="267" r:id="rId8"/>
     <p:sldId id="268" r:id="rId9"/>
     <p:sldId id="269" r:id="rId10"/>
-    <p:sldId id="270" r:id="rId11"/>
-    <p:sldId id="271" r:id="rId12"/>
-    <p:sldId id="273" r:id="rId13"/>
+    <p:sldId id="271" r:id="rId11"/>
+    <p:sldId id="273" r:id="rId12"/>
+    <p:sldId id="270" r:id="rId13"/>
     <p:sldId id="272" r:id="rId14"/>
   </p:sldIdLst>
   <p:sldSz cx="12192000" cy="6858000"/>
@@ -5655,6 +5655,547 @@
       </p:grpSpPr>
       <p:sp>
         <p:nvSpPr>
+          <p:cNvPr id="2" name="Título 1">
+            <a:extLst>
+              <a:ext uri="{FF2B5EF4-FFF2-40B4-BE49-F238E27FC236}">
+                <a16:creationId xmlns:a16="http://schemas.microsoft.com/office/drawing/2014/main" id="{83A4A13A-E62D-45BB-9F17-EBB438D6531F}"/>
+              </a:ext>
+            </a:extLst>
+          </p:cNvPr>
+          <p:cNvSpPr>
+            <a:spLocks noGrp="1"/>
+          </p:cNvSpPr>
+          <p:nvPr>
+            <p:ph type="title" idx="4294967295"/>
+          </p:nvPr>
+        </p:nvSpPr>
+        <p:spPr>
+          <a:xfrm>
+            <a:off x="1012031" y="516603"/>
+            <a:ext cx="10167937" cy="1179513"/>
+          </a:xfrm>
+        </p:spPr>
+        <p:txBody>
+          <a:bodyPr/>
+          <a:lstStyle/>
+          <a:p>
+            <a:r>
+              <a:rPr lang="pt-BR" dirty="0">
+                <a:solidFill>
+                  <a:srgbClr val="363636"/>
+                </a:solidFill>
+              </a:rPr>
+              <a:t>Analytics (Rins)</a:t>
+            </a:r>
+          </a:p>
+        </p:txBody>
+      </p:sp>
+      <p:sp>
+        <p:nvSpPr>
+          <p:cNvPr id="4" name="Retângulo 3">
+            <a:extLst>
+              <a:ext uri="{FF2B5EF4-FFF2-40B4-BE49-F238E27FC236}">
+                <a16:creationId xmlns:a16="http://schemas.microsoft.com/office/drawing/2014/main" id="{FFCF9295-937A-4B33-A4CB-5DB7B6A7A527}"/>
+              </a:ext>
+            </a:extLst>
+          </p:cNvPr>
+          <p:cNvSpPr/>
+          <p:nvPr/>
+        </p:nvSpPr>
+        <p:spPr>
+          <a:xfrm>
+            <a:off x="2281650" y="2559596"/>
+            <a:ext cx="2473452" cy="628650"/>
+          </a:xfrm>
+          <a:prstGeom prst="rect">
+            <a:avLst/>
+          </a:prstGeom>
+          <a:solidFill>
+            <a:schemeClr val="accent4">
+              <a:lumMod val="75000"/>
+            </a:schemeClr>
+          </a:solidFill>
+          <a:ln>
+            <a:solidFill>
+              <a:srgbClr val="363636"/>
+            </a:solidFill>
+          </a:ln>
+        </p:spPr>
+        <p:style>
+          <a:lnRef idx="2">
+            <a:schemeClr val="accent1">
+              <a:shade val="50000"/>
+            </a:schemeClr>
+          </a:lnRef>
+          <a:fillRef idx="1">
+            <a:schemeClr val="accent1"/>
+          </a:fillRef>
+          <a:effectRef idx="0">
+            <a:schemeClr val="accent1"/>
+          </a:effectRef>
+          <a:fontRef idx="minor">
+            <a:schemeClr val="lt1"/>
+          </a:fontRef>
+        </p:style>
+        <p:txBody>
+          <a:bodyPr rtlCol="0" anchor="ctr"/>
+          <a:lstStyle/>
+          <a:p>
+            <a:pPr algn="ctr"/>
+            <a:r>
+              <a:rPr lang="pt-BR" sz="2400" b="1" dirty="0">
+                <a:solidFill>
+                  <a:schemeClr val="tx2"/>
+                </a:solidFill>
+              </a:rPr>
+              <a:t>Crítico</a:t>
+            </a:r>
+          </a:p>
+        </p:txBody>
+      </p:sp>
+      <p:sp>
+        <p:nvSpPr>
+          <p:cNvPr id="6" name="Retângulo 5">
+            <a:extLst>
+              <a:ext uri="{FF2B5EF4-FFF2-40B4-BE49-F238E27FC236}">
+                <a16:creationId xmlns:a16="http://schemas.microsoft.com/office/drawing/2014/main" id="{42DE3707-45C7-4B26-BBC1-B6AD526682F9}"/>
+              </a:ext>
+            </a:extLst>
+          </p:cNvPr>
+          <p:cNvSpPr/>
+          <p:nvPr/>
+        </p:nvSpPr>
+        <p:spPr>
+          <a:xfrm>
+            <a:off x="4755102" y="2559596"/>
+            <a:ext cx="2473452" cy="628650"/>
+          </a:xfrm>
+          <a:prstGeom prst="rect">
+            <a:avLst/>
+          </a:prstGeom>
+          <a:solidFill>
+            <a:srgbClr val="FFFF00"/>
+          </a:solidFill>
+          <a:ln>
+            <a:solidFill>
+              <a:srgbClr val="363636"/>
+            </a:solidFill>
+          </a:ln>
+        </p:spPr>
+        <p:style>
+          <a:lnRef idx="2">
+            <a:schemeClr val="accent1">
+              <a:shade val="50000"/>
+            </a:schemeClr>
+          </a:lnRef>
+          <a:fillRef idx="1">
+            <a:schemeClr val="accent1"/>
+          </a:fillRef>
+          <a:effectRef idx="0">
+            <a:schemeClr val="accent1"/>
+          </a:effectRef>
+          <a:fontRef idx="minor">
+            <a:schemeClr val="lt1"/>
+          </a:fontRef>
+        </p:style>
+        <p:txBody>
+          <a:bodyPr rtlCol="0" anchor="ctr"/>
+          <a:lstStyle/>
+          <a:p>
+            <a:pPr algn="ctr"/>
+            <a:r>
+              <a:rPr lang="pt-BR" sz="2400" b="1" dirty="0">
+                <a:solidFill>
+                  <a:schemeClr val="tx2"/>
+                </a:solidFill>
+              </a:rPr>
+              <a:t>Alerta</a:t>
+            </a:r>
+          </a:p>
+        </p:txBody>
+      </p:sp>
+      <p:sp>
+        <p:nvSpPr>
+          <p:cNvPr id="8" name="Retângulo 7">
+            <a:extLst>
+              <a:ext uri="{FF2B5EF4-FFF2-40B4-BE49-F238E27FC236}">
+                <a16:creationId xmlns:a16="http://schemas.microsoft.com/office/drawing/2014/main" id="{534753E8-DC08-4D85-8E76-1DD10976FC2F}"/>
+              </a:ext>
+            </a:extLst>
+          </p:cNvPr>
+          <p:cNvSpPr/>
+          <p:nvPr/>
+        </p:nvSpPr>
+        <p:spPr>
+          <a:xfrm>
+            <a:off x="7228554" y="2559596"/>
+            <a:ext cx="2473452" cy="628650"/>
+          </a:xfrm>
+          <a:prstGeom prst="rect">
+            <a:avLst/>
+          </a:prstGeom>
+          <a:solidFill>
+            <a:srgbClr val="92D050"/>
+          </a:solidFill>
+          <a:ln>
+            <a:solidFill>
+              <a:srgbClr val="363636"/>
+            </a:solidFill>
+          </a:ln>
+        </p:spPr>
+        <p:style>
+          <a:lnRef idx="2">
+            <a:schemeClr val="accent1">
+              <a:shade val="50000"/>
+            </a:schemeClr>
+          </a:lnRef>
+          <a:fillRef idx="1">
+            <a:schemeClr val="accent1"/>
+          </a:fillRef>
+          <a:effectRef idx="0">
+            <a:schemeClr val="accent1"/>
+          </a:effectRef>
+          <a:fontRef idx="minor">
+            <a:schemeClr val="lt1"/>
+          </a:fontRef>
+        </p:style>
+        <p:txBody>
+          <a:bodyPr rtlCol="0" anchor="ctr"/>
+          <a:lstStyle/>
+          <a:p>
+            <a:pPr algn="ctr"/>
+            <a:r>
+              <a:rPr lang="pt-BR" sz="2400" b="1" dirty="0">
+                <a:solidFill>
+                  <a:schemeClr val="tx2"/>
+                </a:solidFill>
+              </a:rPr>
+              <a:t>Ideal</a:t>
+            </a:r>
+          </a:p>
+        </p:txBody>
+      </p:sp>
+      <p:sp>
+        <p:nvSpPr>
+          <p:cNvPr id="9" name="CaixaDeTexto 8">
+            <a:extLst>
+              <a:ext uri="{FF2B5EF4-FFF2-40B4-BE49-F238E27FC236}">
+                <a16:creationId xmlns:a16="http://schemas.microsoft.com/office/drawing/2014/main" id="{33B73398-4E20-4CFE-81A3-DA32E33E0BB7}"/>
+              </a:ext>
+            </a:extLst>
+          </p:cNvPr>
+          <p:cNvSpPr txBox="1"/>
+          <p:nvPr/>
+        </p:nvSpPr>
+        <p:spPr>
+          <a:xfrm>
+            <a:off x="2281650" y="3188246"/>
+            <a:ext cx="2473452" cy="1815882"/>
+          </a:xfrm>
+          <a:prstGeom prst="rect">
+            <a:avLst/>
+          </a:prstGeom>
+          <a:noFill/>
+        </p:spPr>
+        <p:txBody>
+          <a:bodyPr wrap="square" rtlCol="0">
+            <a:spAutoFit/>
+          </a:bodyPr>
+          <a:lstStyle/>
+          <a:p>
+            <a:pPr marL="285750" indent="-285750">
+              <a:buFont typeface="Arial" panose="020B0604020202020204" pitchFamily="34" charset="0"/>
+              <a:buChar char="•"/>
+            </a:pPr>
+            <a:r>
+              <a:rPr lang="pt-BR" sz="1600" dirty="0">
+                <a:solidFill>
+                  <a:schemeClr val="tx2"/>
+                </a:solidFill>
+              </a:rPr>
+              <a:t>Armazenamento de órgão em risco com perda acelerada da capacidade isotérmica da caixa (temperaturas como 1,5ºC ou 7,4ºC)</a:t>
+            </a:r>
+          </a:p>
+        </p:txBody>
+      </p:sp>
+      <p:sp>
+        <p:nvSpPr>
+          <p:cNvPr id="11" name="CaixaDeTexto 10">
+            <a:extLst>
+              <a:ext uri="{FF2B5EF4-FFF2-40B4-BE49-F238E27FC236}">
+                <a16:creationId xmlns:a16="http://schemas.microsoft.com/office/drawing/2014/main" id="{5E997853-8083-4277-B5EA-6F7F3CAB3191}"/>
+              </a:ext>
+            </a:extLst>
+          </p:cNvPr>
+          <p:cNvSpPr txBox="1"/>
+          <p:nvPr/>
+        </p:nvSpPr>
+        <p:spPr>
+          <a:xfrm>
+            <a:off x="4755102" y="3169136"/>
+            <a:ext cx="2473452" cy="2062103"/>
+          </a:xfrm>
+          <a:prstGeom prst="rect">
+            <a:avLst/>
+          </a:prstGeom>
+          <a:noFill/>
+        </p:spPr>
+        <p:txBody>
+          <a:bodyPr wrap="square" rtlCol="0">
+            <a:spAutoFit/>
+          </a:bodyPr>
+          <a:lstStyle/>
+          <a:p>
+            <a:pPr marL="285750" indent="-285750">
+              <a:buFont typeface="Arial" panose="020B0604020202020204" pitchFamily="34" charset="0"/>
+              <a:buChar char="•"/>
+            </a:pPr>
+            <a:r>
+              <a:rPr lang="pt-BR" sz="1600" dirty="0">
+                <a:solidFill>
+                  <a:schemeClr val="tx2"/>
+                </a:solidFill>
+              </a:rPr>
+              <a:t>Armazenamento de órgão em fase de atenção com risco de perda da capacidade isotérmica da caixa (temperaturas como 2,2ºC ou 5,6ºC)</a:t>
+            </a:r>
+          </a:p>
+        </p:txBody>
+      </p:sp>
+      <p:sp>
+        <p:nvSpPr>
+          <p:cNvPr id="13" name="CaixaDeTexto 12">
+            <a:extLst>
+              <a:ext uri="{FF2B5EF4-FFF2-40B4-BE49-F238E27FC236}">
+                <a16:creationId xmlns:a16="http://schemas.microsoft.com/office/drawing/2014/main" id="{FB2CADAA-0C0B-4B16-A153-F1F523288EAB}"/>
+              </a:ext>
+            </a:extLst>
+          </p:cNvPr>
+          <p:cNvSpPr txBox="1"/>
+          <p:nvPr/>
+        </p:nvSpPr>
+        <p:spPr>
+          <a:xfrm>
+            <a:off x="7228554" y="3169135"/>
+            <a:ext cx="2473452" cy="1815882"/>
+          </a:xfrm>
+          <a:prstGeom prst="rect">
+            <a:avLst/>
+          </a:prstGeom>
+          <a:noFill/>
+        </p:spPr>
+        <p:txBody>
+          <a:bodyPr wrap="square" rtlCol="0">
+            <a:spAutoFit/>
+          </a:bodyPr>
+          <a:lstStyle/>
+          <a:p>
+            <a:pPr marL="285750" indent="-285750">
+              <a:buFont typeface="Arial" panose="020B0604020202020204" pitchFamily="34" charset="0"/>
+              <a:buChar char="•"/>
+            </a:pPr>
+            <a:r>
+              <a:rPr lang="pt-BR" sz="1600" dirty="0">
+                <a:solidFill>
+                  <a:schemeClr val="tx2"/>
+                </a:solidFill>
+              </a:rPr>
+              <a:t>Armazenamento de órgão em fase ideal, sem risco de perda da capacidade isotérmica da caixa, mantendo-se entre 3,5ºC e 4ºC</a:t>
+            </a:r>
+          </a:p>
+        </p:txBody>
+      </p:sp>
+    </p:spTree>
+    <p:extLst>
+      <p:ext uri="{BB962C8B-B14F-4D97-AF65-F5344CB8AC3E}">
+        <p14:creationId xmlns:p14="http://schemas.microsoft.com/office/powerpoint/2010/main" val="2943371185"/>
+      </p:ext>
+    </p:extLst>
+  </p:cSld>
+  <p:clrMapOvr>
+    <a:masterClrMapping/>
+  </p:clrMapOvr>
+</p:sld>
+</file>
+
+<file path=ppt/slides/slide11.xml><?xml version="1.0" encoding="utf-8"?>
+<p:sld xmlns:a="http://schemas.openxmlformats.org/drawingml/2006/main" xmlns:r="http://schemas.openxmlformats.org/officeDocument/2006/relationships" xmlns:p="http://schemas.openxmlformats.org/presentationml/2006/main">
+  <p:cSld>
+    <p:bg>
+      <p:bgPr>
+        <a:solidFill>
+          <a:schemeClr val="bg1"/>
+        </a:solidFill>
+        <a:effectLst/>
+      </p:bgPr>
+    </p:bg>
+    <p:spTree>
+      <p:nvGrpSpPr>
+        <p:cNvPr id="1" name=""/>
+        <p:cNvGrpSpPr/>
+        <p:nvPr/>
+      </p:nvGrpSpPr>
+      <p:grpSpPr>
+        <a:xfrm>
+          <a:off x="0" y="0"/>
+          <a:ext cx="0" cy="0"/>
+          <a:chOff x="0" y="0"/>
+          <a:chExt cx="0" cy="0"/>
+        </a:xfrm>
+      </p:grpSpPr>
+      <p:sp>
+        <p:nvSpPr>
+          <p:cNvPr id="2" name="Título 1">
+            <a:extLst>
+              <a:ext uri="{FF2B5EF4-FFF2-40B4-BE49-F238E27FC236}">
+                <a16:creationId xmlns:a16="http://schemas.microsoft.com/office/drawing/2014/main" id="{83A4A13A-E62D-45BB-9F17-EBB438D6531F}"/>
+              </a:ext>
+            </a:extLst>
+          </p:cNvPr>
+          <p:cNvSpPr>
+            <a:spLocks noGrp="1"/>
+          </p:cNvSpPr>
+          <p:nvPr>
+            <p:ph type="title" idx="4294967295"/>
+          </p:nvPr>
+        </p:nvSpPr>
+        <p:spPr>
+          <a:xfrm>
+            <a:off x="1012031" y="273111"/>
+            <a:ext cx="10167937" cy="1179513"/>
+          </a:xfrm>
+        </p:spPr>
+        <p:txBody>
+          <a:bodyPr/>
+          <a:lstStyle/>
+          <a:p>
+            <a:r>
+              <a:rPr lang="pt-BR" dirty="0">
+                <a:solidFill>
+                  <a:srgbClr val="363636"/>
+                </a:solidFill>
+              </a:rPr>
+              <a:t>Analytics (Rins)</a:t>
+            </a:r>
+          </a:p>
+        </p:txBody>
+      </p:sp>
+      <p:pic>
+        <p:nvPicPr>
+          <p:cNvPr id="3" name="Picture 4">
+            <a:extLst>
+              <a:ext uri="{FF2B5EF4-FFF2-40B4-BE49-F238E27FC236}">
+                <a16:creationId xmlns:a16="http://schemas.microsoft.com/office/drawing/2014/main" id="{AD197701-38AD-42DE-921C-A28C0136A7D0}"/>
+              </a:ext>
+            </a:extLst>
+          </p:cNvPr>
+          <p:cNvPicPr>
+            <a:picLocks noChangeAspect="1" noChangeArrowheads="1"/>
+          </p:cNvPicPr>
+          <p:nvPr/>
+        </p:nvPicPr>
+        <p:blipFill>
+          <a:blip r:embed="rId2">
+            <a:extLst>
+              <a:ext uri="{28A0092B-C50C-407E-A947-70E740481C1C}">
+                <a14:useLocalDpi xmlns:a14="http://schemas.microsoft.com/office/drawing/2010/main" val="0"/>
+              </a:ext>
+            </a:extLst>
+          </a:blip>
+          <a:srcRect/>
+          <a:stretch>
+            <a:fillRect/>
+          </a:stretch>
+        </p:blipFill>
+        <p:spPr bwMode="auto">
+          <a:xfrm>
+            <a:off x="2324769" y="1212334"/>
+            <a:ext cx="7542461" cy="4667605"/>
+          </a:xfrm>
+          <a:prstGeom prst="rect">
+            <a:avLst/>
+          </a:prstGeom>
+          <a:noFill/>
+          <a:extLst>
+            <a:ext uri="{909E8E84-426E-40DD-AFC4-6F175D3DCCD1}">
+              <a14:hiddenFill xmlns:a14="http://schemas.microsoft.com/office/drawing/2010/main">
+                <a:solidFill>
+                  <a:srgbClr val="FFFFFF"/>
+                </a:solidFill>
+              </a14:hiddenFill>
+            </a:ext>
+          </a:extLst>
+        </p:spPr>
+      </p:pic>
+      <p:pic>
+        <p:nvPicPr>
+          <p:cNvPr id="7" name="Imagem 6">
+            <a:extLst>
+              <a:ext uri="{FF2B5EF4-FFF2-40B4-BE49-F238E27FC236}">
+                <a16:creationId xmlns:a16="http://schemas.microsoft.com/office/drawing/2014/main" id="{B420FDEF-6E30-46F9-930C-C43E4B49E9FD}"/>
+              </a:ext>
+            </a:extLst>
+          </p:cNvPr>
+          <p:cNvPicPr>
+            <a:picLocks noChangeAspect="1"/>
+          </p:cNvPicPr>
+          <p:nvPr/>
+        </p:nvPicPr>
+        <p:blipFill>
+          <a:blip r:embed="rId3"/>
+          <a:stretch>
+            <a:fillRect/>
+          </a:stretch>
+        </p:blipFill>
+        <p:spPr>
+          <a:xfrm>
+            <a:off x="3682768" y="5984125"/>
+            <a:ext cx="4826461" cy="723404"/>
+          </a:xfrm>
+          <a:prstGeom prst="rect">
+            <a:avLst/>
+          </a:prstGeom>
+        </p:spPr>
+      </p:pic>
+    </p:spTree>
+    <p:extLst>
+      <p:ext uri="{BB962C8B-B14F-4D97-AF65-F5344CB8AC3E}">
+        <p14:creationId xmlns:p14="http://schemas.microsoft.com/office/powerpoint/2010/main" val="3046558325"/>
+      </p:ext>
+    </p:extLst>
+  </p:cSld>
+  <p:clrMapOvr>
+    <a:masterClrMapping/>
+  </p:clrMapOvr>
+</p:sld>
+</file>
+
+<file path=ppt/slides/slide12.xml><?xml version="1.0" encoding="utf-8"?>
+<p:sld xmlns:a="http://schemas.openxmlformats.org/drawingml/2006/main" xmlns:r="http://schemas.openxmlformats.org/officeDocument/2006/relationships" xmlns:p="http://schemas.openxmlformats.org/presentationml/2006/main">
+  <p:cSld>
+    <p:bg>
+      <p:bgPr>
+        <a:solidFill>
+          <a:schemeClr val="bg1"/>
+        </a:solidFill>
+        <a:effectLst/>
+      </p:bgPr>
+    </p:bg>
+    <p:spTree>
+      <p:nvGrpSpPr>
+        <p:cNvPr id="1" name=""/>
+        <p:cNvGrpSpPr/>
+        <p:nvPr/>
+      </p:nvGrpSpPr>
+      <p:grpSpPr>
+        <a:xfrm>
+          <a:off x="0" y="0"/>
+          <a:ext cx="0" cy="0"/>
+          <a:chOff x="0" y="0"/>
+          <a:chExt cx="0" cy="0"/>
+        </a:xfrm>
+      </p:grpSpPr>
+      <p:sp>
+        <p:nvSpPr>
           <p:cNvPr id="71" name="Rectangle 70">
             <a:extLst>
               <a:ext uri="{FF2B5EF4-FFF2-40B4-BE49-F238E27FC236}">
@@ -6545,547 +7086,6 @@
     <p:extLst>
       <p:ext uri="{BB962C8B-B14F-4D97-AF65-F5344CB8AC3E}">
         <p14:creationId xmlns:p14="http://schemas.microsoft.com/office/powerpoint/2010/main" val="3110370112"/>
-      </p:ext>
-    </p:extLst>
-  </p:cSld>
-  <p:clrMapOvr>
-    <a:masterClrMapping/>
-  </p:clrMapOvr>
-</p:sld>
-</file>
-
-<file path=ppt/slides/slide11.xml><?xml version="1.0" encoding="utf-8"?>
-<p:sld xmlns:a="http://schemas.openxmlformats.org/drawingml/2006/main" xmlns:r="http://schemas.openxmlformats.org/officeDocument/2006/relationships" xmlns:p="http://schemas.openxmlformats.org/presentationml/2006/main">
-  <p:cSld>
-    <p:bg>
-      <p:bgPr>
-        <a:solidFill>
-          <a:schemeClr val="bg1"/>
-        </a:solidFill>
-        <a:effectLst/>
-      </p:bgPr>
-    </p:bg>
-    <p:spTree>
-      <p:nvGrpSpPr>
-        <p:cNvPr id="1" name=""/>
-        <p:cNvGrpSpPr/>
-        <p:nvPr/>
-      </p:nvGrpSpPr>
-      <p:grpSpPr>
-        <a:xfrm>
-          <a:off x="0" y="0"/>
-          <a:ext cx="0" cy="0"/>
-          <a:chOff x="0" y="0"/>
-          <a:chExt cx="0" cy="0"/>
-        </a:xfrm>
-      </p:grpSpPr>
-      <p:sp>
-        <p:nvSpPr>
-          <p:cNvPr id="2" name="Título 1">
-            <a:extLst>
-              <a:ext uri="{FF2B5EF4-FFF2-40B4-BE49-F238E27FC236}">
-                <a16:creationId xmlns:a16="http://schemas.microsoft.com/office/drawing/2014/main" id="{83A4A13A-E62D-45BB-9F17-EBB438D6531F}"/>
-              </a:ext>
-            </a:extLst>
-          </p:cNvPr>
-          <p:cNvSpPr>
-            <a:spLocks noGrp="1"/>
-          </p:cNvSpPr>
-          <p:nvPr>
-            <p:ph type="title" idx="4294967295"/>
-          </p:nvPr>
-        </p:nvSpPr>
-        <p:spPr>
-          <a:xfrm>
-            <a:off x="1012031" y="516603"/>
-            <a:ext cx="10167937" cy="1179513"/>
-          </a:xfrm>
-        </p:spPr>
-        <p:txBody>
-          <a:bodyPr/>
-          <a:lstStyle/>
-          <a:p>
-            <a:r>
-              <a:rPr lang="pt-BR" dirty="0">
-                <a:solidFill>
-                  <a:srgbClr val="363636"/>
-                </a:solidFill>
-              </a:rPr>
-              <a:t>Analytics (Rins)</a:t>
-            </a:r>
-          </a:p>
-        </p:txBody>
-      </p:sp>
-      <p:sp>
-        <p:nvSpPr>
-          <p:cNvPr id="4" name="Retângulo 3">
-            <a:extLst>
-              <a:ext uri="{FF2B5EF4-FFF2-40B4-BE49-F238E27FC236}">
-                <a16:creationId xmlns:a16="http://schemas.microsoft.com/office/drawing/2014/main" id="{FFCF9295-937A-4B33-A4CB-5DB7B6A7A527}"/>
-              </a:ext>
-            </a:extLst>
-          </p:cNvPr>
-          <p:cNvSpPr/>
-          <p:nvPr/>
-        </p:nvSpPr>
-        <p:spPr>
-          <a:xfrm>
-            <a:off x="2281650" y="2559596"/>
-            <a:ext cx="2473452" cy="628650"/>
-          </a:xfrm>
-          <a:prstGeom prst="rect">
-            <a:avLst/>
-          </a:prstGeom>
-          <a:solidFill>
-            <a:schemeClr val="accent4">
-              <a:lumMod val="75000"/>
-            </a:schemeClr>
-          </a:solidFill>
-          <a:ln>
-            <a:solidFill>
-              <a:srgbClr val="363636"/>
-            </a:solidFill>
-          </a:ln>
-        </p:spPr>
-        <p:style>
-          <a:lnRef idx="2">
-            <a:schemeClr val="accent1">
-              <a:shade val="50000"/>
-            </a:schemeClr>
-          </a:lnRef>
-          <a:fillRef idx="1">
-            <a:schemeClr val="accent1"/>
-          </a:fillRef>
-          <a:effectRef idx="0">
-            <a:schemeClr val="accent1"/>
-          </a:effectRef>
-          <a:fontRef idx="minor">
-            <a:schemeClr val="lt1"/>
-          </a:fontRef>
-        </p:style>
-        <p:txBody>
-          <a:bodyPr rtlCol="0" anchor="ctr"/>
-          <a:lstStyle/>
-          <a:p>
-            <a:pPr algn="ctr"/>
-            <a:r>
-              <a:rPr lang="pt-BR" sz="2400" b="1" dirty="0">
-                <a:solidFill>
-                  <a:schemeClr val="tx2"/>
-                </a:solidFill>
-              </a:rPr>
-              <a:t>Crítico</a:t>
-            </a:r>
-          </a:p>
-        </p:txBody>
-      </p:sp>
-      <p:sp>
-        <p:nvSpPr>
-          <p:cNvPr id="6" name="Retângulo 5">
-            <a:extLst>
-              <a:ext uri="{FF2B5EF4-FFF2-40B4-BE49-F238E27FC236}">
-                <a16:creationId xmlns:a16="http://schemas.microsoft.com/office/drawing/2014/main" id="{42DE3707-45C7-4B26-BBC1-B6AD526682F9}"/>
-              </a:ext>
-            </a:extLst>
-          </p:cNvPr>
-          <p:cNvSpPr/>
-          <p:nvPr/>
-        </p:nvSpPr>
-        <p:spPr>
-          <a:xfrm>
-            <a:off x="4755102" y="2559596"/>
-            <a:ext cx="2473452" cy="628650"/>
-          </a:xfrm>
-          <a:prstGeom prst="rect">
-            <a:avLst/>
-          </a:prstGeom>
-          <a:solidFill>
-            <a:srgbClr val="FFFF00"/>
-          </a:solidFill>
-          <a:ln>
-            <a:solidFill>
-              <a:srgbClr val="363636"/>
-            </a:solidFill>
-          </a:ln>
-        </p:spPr>
-        <p:style>
-          <a:lnRef idx="2">
-            <a:schemeClr val="accent1">
-              <a:shade val="50000"/>
-            </a:schemeClr>
-          </a:lnRef>
-          <a:fillRef idx="1">
-            <a:schemeClr val="accent1"/>
-          </a:fillRef>
-          <a:effectRef idx="0">
-            <a:schemeClr val="accent1"/>
-          </a:effectRef>
-          <a:fontRef idx="minor">
-            <a:schemeClr val="lt1"/>
-          </a:fontRef>
-        </p:style>
-        <p:txBody>
-          <a:bodyPr rtlCol="0" anchor="ctr"/>
-          <a:lstStyle/>
-          <a:p>
-            <a:pPr algn="ctr"/>
-            <a:r>
-              <a:rPr lang="pt-BR" sz="2400" b="1" dirty="0">
-                <a:solidFill>
-                  <a:schemeClr val="tx2"/>
-                </a:solidFill>
-              </a:rPr>
-              <a:t>Alerta</a:t>
-            </a:r>
-          </a:p>
-        </p:txBody>
-      </p:sp>
-      <p:sp>
-        <p:nvSpPr>
-          <p:cNvPr id="8" name="Retângulo 7">
-            <a:extLst>
-              <a:ext uri="{FF2B5EF4-FFF2-40B4-BE49-F238E27FC236}">
-                <a16:creationId xmlns:a16="http://schemas.microsoft.com/office/drawing/2014/main" id="{534753E8-DC08-4D85-8E76-1DD10976FC2F}"/>
-              </a:ext>
-            </a:extLst>
-          </p:cNvPr>
-          <p:cNvSpPr/>
-          <p:nvPr/>
-        </p:nvSpPr>
-        <p:spPr>
-          <a:xfrm>
-            <a:off x="7228554" y="2559596"/>
-            <a:ext cx="2473452" cy="628650"/>
-          </a:xfrm>
-          <a:prstGeom prst="rect">
-            <a:avLst/>
-          </a:prstGeom>
-          <a:solidFill>
-            <a:srgbClr val="92D050"/>
-          </a:solidFill>
-          <a:ln>
-            <a:solidFill>
-              <a:srgbClr val="363636"/>
-            </a:solidFill>
-          </a:ln>
-        </p:spPr>
-        <p:style>
-          <a:lnRef idx="2">
-            <a:schemeClr val="accent1">
-              <a:shade val="50000"/>
-            </a:schemeClr>
-          </a:lnRef>
-          <a:fillRef idx="1">
-            <a:schemeClr val="accent1"/>
-          </a:fillRef>
-          <a:effectRef idx="0">
-            <a:schemeClr val="accent1"/>
-          </a:effectRef>
-          <a:fontRef idx="minor">
-            <a:schemeClr val="lt1"/>
-          </a:fontRef>
-        </p:style>
-        <p:txBody>
-          <a:bodyPr rtlCol="0" anchor="ctr"/>
-          <a:lstStyle/>
-          <a:p>
-            <a:pPr algn="ctr"/>
-            <a:r>
-              <a:rPr lang="pt-BR" sz="2400" b="1" dirty="0">
-                <a:solidFill>
-                  <a:schemeClr val="tx2"/>
-                </a:solidFill>
-              </a:rPr>
-              <a:t>Ideal</a:t>
-            </a:r>
-          </a:p>
-        </p:txBody>
-      </p:sp>
-      <p:sp>
-        <p:nvSpPr>
-          <p:cNvPr id="9" name="CaixaDeTexto 8">
-            <a:extLst>
-              <a:ext uri="{FF2B5EF4-FFF2-40B4-BE49-F238E27FC236}">
-                <a16:creationId xmlns:a16="http://schemas.microsoft.com/office/drawing/2014/main" id="{33B73398-4E20-4CFE-81A3-DA32E33E0BB7}"/>
-              </a:ext>
-            </a:extLst>
-          </p:cNvPr>
-          <p:cNvSpPr txBox="1"/>
-          <p:nvPr/>
-        </p:nvSpPr>
-        <p:spPr>
-          <a:xfrm>
-            <a:off x="2281650" y="3188246"/>
-            <a:ext cx="2473452" cy="1815882"/>
-          </a:xfrm>
-          <a:prstGeom prst="rect">
-            <a:avLst/>
-          </a:prstGeom>
-          <a:noFill/>
-        </p:spPr>
-        <p:txBody>
-          <a:bodyPr wrap="square" rtlCol="0">
-            <a:spAutoFit/>
-          </a:bodyPr>
-          <a:lstStyle/>
-          <a:p>
-            <a:pPr marL="285750" indent="-285750">
-              <a:buFont typeface="Arial" panose="020B0604020202020204" pitchFamily="34" charset="0"/>
-              <a:buChar char="•"/>
-            </a:pPr>
-            <a:r>
-              <a:rPr lang="pt-BR" sz="1600" dirty="0">
-                <a:solidFill>
-                  <a:schemeClr val="tx2"/>
-                </a:solidFill>
-              </a:rPr>
-              <a:t>Armazenamento de órgão em risco com perda acelerada da capacidade isotérmica da caixa (temperaturas como 1,5ºC ou 7,4ºC)</a:t>
-            </a:r>
-          </a:p>
-        </p:txBody>
-      </p:sp>
-      <p:sp>
-        <p:nvSpPr>
-          <p:cNvPr id="11" name="CaixaDeTexto 10">
-            <a:extLst>
-              <a:ext uri="{FF2B5EF4-FFF2-40B4-BE49-F238E27FC236}">
-                <a16:creationId xmlns:a16="http://schemas.microsoft.com/office/drawing/2014/main" id="{5E997853-8083-4277-B5EA-6F7F3CAB3191}"/>
-              </a:ext>
-            </a:extLst>
-          </p:cNvPr>
-          <p:cNvSpPr txBox="1"/>
-          <p:nvPr/>
-        </p:nvSpPr>
-        <p:spPr>
-          <a:xfrm>
-            <a:off x="4755102" y="3169136"/>
-            <a:ext cx="2473452" cy="2062103"/>
-          </a:xfrm>
-          <a:prstGeom prst="rect">
-            <a:avLst/>
-          </a:prstGeom>
-          <a:noFill/>
-        </p:spPr>
-        <p:txBody>
-          <a:bodyPr wrap="square" rtlCol="0">
-            <a:spAutoFit/>
-          </a:bodyPr>
-          <a:lstStyle/>
-          <a:p>
-            <a:pPr marL="285750" indent="-285750">
-              <a:buFont typeface="Arial" panose="020B0604020202020204" pitchFamily="34" charset="0"/>
-              <a:buChar char="•"/>
-            </a:pPr>
-            <a:r>
-              <a:rPr lang="pt-BR" sz="1600" dirty="0">
-                <a:solidFill>
-                  <a:schemeClr val="tx2"/>
-                </a:solidFill>
-              </a:rPr>
-              <a:t>Armazenamento de órgão em fase de atenção com risco de perda da capacidade isotérmica da caixa (temperaturas como 2,2ºC ou 5,6ºC)</a:t>
-            </a:r>
-          </a:p>
-        </p:txBody>
-      </p:sp>
-      <p:sp>
-        <p:nvSpPr>
-          <p:cNvPr id="13" name="CaixaDeTexto 12">
-            <a:extLst>
-              <a:ext uri="{FF2B5EF4-FFF2-40B4-BE49-F238E27FC236}">
-                <a16:creationId xmlns:a16="http://schemas.microsoft.com/office/drawing/2014/main" id="{FB2CADAA-0C0B-4B16-A153-F1F523288EAB}"/>
-              </a:ext>
-            </a:extLst>
-          </p:cNvPr>
-          <p:cNvSpPr txBox="1"/>
-          <p:nvPr/>
-        </p:nvSpPr>
-        <p:spPr>
-          <a:xfrm>
-            <a:off x="7228554" y="3169135"/>
-            <a:ext cx="2473452" cy="1815882"/>
-          </a:xfrm>
-          <a:prstGeom prst="rect">
-            <a:avLst/>
-          </a:prstGeom>
-          <a:noFill/>
-        </p:spPr>
-        <p:txBody>
-          <a:bodyPr wrap="square" rtlCol="0">
-            <a:spAutoFit/>
-          </a:bodyPr>
-          <a:lstStyle/>
-          <a:p>
-            <a:pPr marL="285750" indent="-285750">
-              <a:buFont typeface="Arial" panose="020B0604020202020204" pitchFamily="34" charset="0"/>
-              <a:buChar char="•"/>
-            </a:pPr>
-            <a:r>
-              <a:rPr lang="pt-BR" sz="1600" dirty="0">
-                <a:solidFill>
-                  <a:schemeClr val="tx2"/>
-                </a:solidFill>
-              </a:rPr>
-              <a:t>Armazenamento de órgão em fase ideal, sem risco de perda da capacidade isotérmica da caixa, mantendo-se entre 3,5ºC e 4ºC</a:t>
-            </a:r>
-          </a:p>
-        </p:txBody>
-      </p:sp>
-    </p:spTree>
-    <p:extLst>
-      <p:ext uri="{BB962C8B-B14F-4D97-AF65-F5344CB8AC3E}">
-        <p14:creationId xmlns:p14="http://schemas.microsoft.com/office/powerpoint/2010/main" val="2943371185"/>
-      </p:ext>
-    </p:extLst>
-  </p:cSld>
-  <p:clrMapOvr>
-    <a:masterClrMapping/>
-  </p:clrMapOvr>
-</p:sld>
-</file>
-
-<file path=ppt/slides/slide12.xml><?xml version="1.0" encoding="utf-8"?>
-<p:sld xmlns:a="http://schemas.openxmlformats.org/drawingml/2006/main" xmlns:r="http://schemas.openxmlformats.org/officeDocument/2006/relationships" xmlns:p="http://schemas.openxmlformats.org/presentationml/2006/main">
-  <p:cSld>
-    <p:bg>
-      <p:bgPr>
-        <a:solidFill>
-          <a:schemeClr val="bg1"/>
-        </a:solidFill>
-        <a:effectLst/>
-      </p:bgPr>
-    </p:bg>
-    <p:spTree>
-      <p:nvGrpSpPr>
-        <p:cNvPr id="1" name=""/>
-        <p:cNvGrpSpPr/>
-        <p:nvPr/>
-      </p:nvGrpSpPr>
-      <p:grpSpPr>
-        <a:xfrm>
-          <a:off x="0" y="0"/>
-          <a:ext cx="0" cy="0"/>
-          <a:chOff x="0" y="0"/>
-          <a:chExt cx="0" cy="0"/>
-        </a:xfrm>
-      </p:grpSpPr>
-      <p:sp>
-        <p:nvSpPr>
-          <p:cNvPr id="2" name="Título 1">
-            <a:extLst>
-              <a:ext uri="{FF2B5EF4-FFF2-40B4-BE49-F238E27FC236}">
-                <a16:creationId xmlns:a16="http://schemas.microsoft.com/office/drawing/2014/main" id="{83A4A13A-E62D-45BB-9F17-EBB438D6531F}"/>
-              </a:ext>
-            </a:extLst>
-          </p:cNvPr>
-          <p:cNvSpPr>
-            <a:spLocks noGrp="1"/>
-          </p:cNvSpPr>
-          <p:nvPr>
-            <p:ph type="title" idx="4294967295"/>
-          </p:nvPr>
-        </p:nvSpPr>
-        <p:spPr>
-          <a:xfrm>
-            <a:off x="1012031" y="273111"/>
-            <a:ext cx="10167937" cy="1179513"/>
-          </a:xfrm>
-        </p:spPr>
-        <p:txBody>
-          <a:bodyPr/>
-          <a:lstStyle/>
-          <a:p>
-            <a:r>
-              <a:rPr lang="pt-BR" dirty="0">
-                <a:solidFill>
-                  <a:srgbClr val="363636"/>
-                </a:solidFill>
-              </a:rPr>
-              <a:t>Analytics (Rins)</a:t>
-            </a:r>
-          </a:p>
-        </p:txBody>
-      </p:sp>
-      <p:pic>
-        <p:nvPicPr>
-          <p:cNvPr id="3" name="Picture 4">
-            <a:extLst>
-              <a:ext uri="{FF2B5EF4-FFF2-40B4-BE49-F238E27FC236}">
-                <a16:creationId xmlns:a16="http://schemas.microsoft.com/office/drawing/2014/main" id="{AD197701-38AD-42DE-921C-A28C0136A7D0}"/>
-              </a:ext>
-            </a:extLst>
-          </p:cNvPr>
-          <p:cNvPicPr>
-            <a:picLocks noChangeAspect="1" noChangeArrowheads="1"/>
-          </p:cNvPicPr>
-          <p:nvPr/>
-        </p:nvPicPr>
-        <p:blipFill>
-          <a:blip r:embed="rId2">
-            <a:extLst>
-              <a:ext uri="{28A0092B-C50C-407E-A947-70E740481C1C}">
-                <a14:useLocalDpi xmlns:a14="http://schemas.microsoft.com/office/drawing/2010/main" val="0"/>
-              </a:ext>
-            </a:extLst>
-          </a:blip>
-          <a:srcRect/>
-          <a:stretch>
-            <a:fillRect/>
-          </a:stretch>
-        </p:blipFill>
-        <p:spPr bwMode="auto">
-          <a:xfrm>
-            <a:off x="2324769" y="1212334"/>
-            <a:ext cx="7542461" cy="4667605"/>
-          </a:xfrm>
-          <a:prstGeom prst="rect">
-            <a:avLst/>
-          </a:prstGeom>
-          <a:noFill/>
-          <a:extLst>
-            <a:ext uri="{909E8E84-426E-40DD-AFC4-6F175D3DCCD1}">
-              <a14:hiddenFill xmlns:a14="http://schemas.microsoft.com/office/drawing/2010/main">
-                <a:solidFill>
-                  <a:srgbClr val="FFFFFF"/>
-                </a:solidFill>
-              </a14:hiddenFill>
-            </a:ext>
-          </a:extLst>
-        </p:spPr>
-      </p:pic>
-      <p:pic>
-        <p:nvPicPr>
-          <p:cNvPr id="7" name="Imagem 6">
-            <a:extLst>
-              <a:ext uri="{FF2B5EF4-FFF2-40B4-BE49-F238E27FC236}">
-                <a16:creationId xmlns:a16="http://schemas.microsoft.com/office/drawing/2014/main" id="{B420FDEF-6E30-46F9-930C-C43E4B49E9FD}"/>
-              </a:ext>
-            </a:extLst>
-          </p:cNvPr>
-          <p:cNvPicPr>
-            <a:picLocks noChangeAspect="1"/>
-          </p:cNvPicPr>
-          <p:nvPr/>
-        </p:nvPicPr>
-        <p:blipFill>
-          <a:blip r:embed="rId3"/>
-          <a:stretch>
-            <a:fillRect/>
-          </a:stretch>
-        </p:blipFill>
-        <p:spPr>
-          <a:xfrm>
-            <a:off x="3682768" y="5984125"/>
-            <a:ext cx="4826461" cy="723404"/>
-          </a:xfrm>
-          <a:prstGeom prst="rect">
-            <a:avLst/>
-          </a:prstGeom>
-        </p:spPr>
-      </p:pic>
-    </p:spTree>
-    <p:extLst>
-      <p:ext uri="{BB962C8B-B14F-4D97-AF65-F5344CB8AC3E}">
-        <p14:creationId xmlns:p14="http://schemas.microsoft.com/office/powerpoint/2010/main" val="3046558325"/>
       </p:ext>
     </p:extLst>
   </p:cSld>

--- a/Slides/Apresentação.pptx
+++ b/Slides/Apresentação.pptx
@@ -17,7 +17,8 @@
     <p:sldId id="270" r:id="rId11"/>
     <p:sldId id="271" r:id="rId12"/>
     <p:sldId id="273" r:id="rId13"/>
-    <p:sldId id="272" r:id="rId14"/>
+    <p:sldId id="274" r:id="rId14"/>
+    <p:sldId id="272" r:id="rId15"/>
   </p:sldIdLst>
   <p:sldSz cx="12192000" cy="6858000"/>
   <p:notesSz cx="6858000" cy="9144000"/>
@@ -7112,6 +7113,168 @@
           <a:chExt cx="0" cy="0"/>
         </a:xfrm>
       </p:grpSpPr>
+      <p:pic>
+        <p:nvPicPr>
+          <p:cNvPr id="1026" name="Picture 2" descr="O futuro do serviço público | SINDSEMPMG">
+            <a:extLst>
+              <a:ext uri="{FF2B5EF4-FFF2-40B4-BE49-F238E27FC236}">
+                <a16:creationId xmlns:a16="http://schemas.microsoft.com/office/drawing/2014/main" id="{1594ECBD-17C6-4B3F-82B0-F9B3A9B38FCE}"/>
+              </a:ext>
+            </a:extLst>
+          </p:cNvPr>
+          <p:cNvPicPr>
+            <a:picLocks noChangeAspect="1" noChangeArrowheads="1"/>
+          </p:cNvPicPr>
+          <p:nvPr/>
+        </p:nvPicPr>
+        <p:blipFill rotWithShape="1">
+          <a:blip r:embed="rId2">
+            <a:extLst>
+              <a:ext uri="{28A0092B-C50C-407E-A947-70E740481C1C}">
+                <a14:useLocalDpi xmlns:a14="http://schemas.microsoft.com/office/drawing/2010/main" val="0"/>
+              </a:ext>
+            </a:extLst>
+          </a:blip>
+          <a:srcRect l="8094" r="4373"/>
+          <a:stretch/>
+        </p:blipFill>
+        <p:spPr bwMode="auto">
+          <a:xfrm>
+            <a:off x="3523488" y="10"/>
+            <a:ext cx="8668512" cy="6857990"/>
+          </a:xfrm>
+          <a:prstGeom prst="rect">
+            <a:avLst/>
+          </a:prstGeom>
+          <a:noFill/>
+          <a:extLst>
+            <a:ext uri="{909E8E84-426E-40DD-AFC4-6F175D3DCCD1}">
+              <a14:hiddenFill xmlns:a14="http://schemas.microsoft.com/office/drawing/2010/main">
+                <a:solidFill>
+                  <a:srgbClr val="FFFFFF"/>
+                </a:solidFill>
+              </a14:hiddenFill>
+            </a:ext>
+          </a:extLst>
+        </p:spPr>
+      </p:pic>
+      <p:sp>
+        <p:nvSpPr>
+          <p:cNvPr id="2" name="Título 1">
+            <a:extLst>
+              <a:ext uri="{FF2B5EF4-FFF2-40B4-BE49-F238E27FC236}">
+                <a16:creationId xmlns:a16="http://schemas.microsoft.com/office/drawing/2014/main" id="{2E415CDA-8850-4ADD-9DE6-8BBCD2CB84A9}"/>
+              </a:ext>
+            </a:extLst>
+          </p:cNvPr>
+          <p:cNvSpPr>
+            <a:spLocks noGrp="1"/>
+          </p:cNvSpPr>
+          <p:nvPr>
+            <p:ph type="ctrTitle"/>
+          </p:nvPr>
+        </p:nvSpPr>
+        <p:spPr>
+          <a:xfrm>
+            <a:off x="477981" y="1122363"/>
+            <a:ext cx="4023360" cy="3204134"/>
+          </a:xfrm>
+        </p:spPr>
+        <p:txBody>
+          <a:bodyPr anchor="b">
+            <a:normAutofit/>
+          </a:bodyPr>
+          <a:lstStyle/>
+          <a:p>
+            <a:r>
+              <a:rPr lang="pt-BR" sz="4400" dirty="0"/>
+              <a:t>Perspectivas Futuras</a:t>
+            </a:r>
+          </a:p>
+        </p:txBody>
+      </p:sp>
+      <p:sp>
+        <p:nvSpPr>
+          <p:cNvPr id="4" name="CaixaDeTexto 3">
+            <a:extLst>
+              <a:ext uri="{FF2B5EF4-FFF2-40B4-BE49-F238E27FC236}">
+                <a16:creationId xmlns:a16="http://schemas.microsoft.com/office/drawing/2014/main" id="{36FF449A-FC08-4DA3-B14E-F8041106CC1E}"/>
+              </a:ext>
+            </a:extLst>
+          </p:cNvPr>
+          <p:cNvSpPr txBox="1"/>
+          <p:nvPr/>
+        </p:nvSpPr>
+        <p:spPr>
+          <a:xfrm>
+            <a:off x="477981" y="4815068"/>
+            <a:ext cx="4023360" cy="923330"/>
+          </a:xfrm>
+          <a:prstGeom prst="rect">
+            <a:avLst/>
+          </a:prstGeom>
+          <a:noFill/>
+        </p:spPr>
+        <p:txBody>
+          <a:bodyPr wrap="square" rtlCol="0">
+            <a:spAutoFit/>
+          </a:bodyPr>
+          <a:lstStyle/>
+          <a:p>
+            <a:pPr marL="285750" indent="-285750">
+              <a:lnSpc>
+                <a:spcPct val="200000"/>
+              </a:lnSpc>
+              <a:buFont typeface="Arial" panose="020B0604020202020204" pitchFamily="34" charset="0"/>
+              <a:buChar char="•"/>
+            </a:pPr>
+            <a:r>
+              <a:rPr lang="pt-BR" dirty="0"/>
+              <a:t>Transportadora</a:t>
+            </a:r>
+          </a:p>
+          <a:p>
+            <a:pPr marL="285750" indent="-285750">
+              <a:buFont typeface="Arial" panose="020B0604020202020204" pitchFamily="34" charset="0"/>
+              <a:buChar char="•"/>
+            </a:pPr>
+            <a:r>
+              <a:rPr lang="pt-BR" dirty="0"/>
+              <a:t>Armazenamento</a:t>
+            </a:r>
+          </a:p>
+        </p:txBody>
+      </p:sp>
+    </p:spTree>
+    <p:extLst>
+      <p:ext uri="{BB962C8B-B14F-4D97-AF65-F5344CB8AC3E}">
+        <p14:creationId xmlns:p14="http://schemas.microsoft.com/office/powerpoint/2010/main" val="424092139"/>
+      </p:ext>
+    </p:extLst>
+  </p:cSld>
+  <p:clrMapOvr>
+    <a:masterClrMapping/>
+  </p:clrMapOvr>
+</p:sld>
+</file>
+
+<file path=ppt/slides/slide14.xml><?xml version="1.0" encoding="utf-8"?>
+<p:sld xmlns:a="http://schemas.openxmlformats.org/drawingml/2006/main" xmlns:r="http://schemas.openxmlformats.org/officeDocument/2006/relationships" xmlns:p="http://schemas.openxmlformats.org/presentationml/2006/main">
+  <p:cSld>
+    <p:spTree>
+      <p:nvGrpSpPr>
+        <p:cNvPr id="1" name=""/>
+        <p:cNvGrpSpPr/>
+        <p:nvPr/>
+      </p:nvGrpSpPr>
+      <p:grpSpPr>
+        <a:xfrm>
+          <a:off x="0" y="0"/>
+          <a:ext cx="0" cy="0"/>
+          <a:chOff x="0" y="0"/>
+          <a:chExt cx="0" cy="0"/>
+        </a:xfrm>
+      </p:grpSpPr>
       <p:sp>
         <p:nvSpPr>
           <p:cNvPr id="2" name="Título 1">

--- a/Slides/Apresentação.pptx
+++ b/Slides/Apresentação.pptx
@@ -14,9 +14,9 @@
     <p:sldId id="267" r:id="rId8"/>
     <p:sldId id="268" r:id="rId9"/>
     <p:sldId id="269" r:id="rId10"/>
-    <p:sldId id="270" r:id="rId11"/>
-    <p:sldId id="271" r:id="rId12"/>
-    <p:sldId id="273" r:id="rId13"/>
+    <p:sldId id="271" r:id="rId11"/>
+    <p:sldId id="273" r:id="rId12"/>
+    <p:sldId id="270" r:id="rId13"/>
     <p:sldId id="274" r:id="rId14"/>
     <p:sldId id="272" r:id="rId15"/>
   </p:sldIdLst>
@@ -5656,6 +5656,547 @@
       </p:grpSpPr>
       <p:sp>
         <p:nvSpPr>
+          <p:cNvPr id="2" name="Título 1">
+            <a:extLst>
+              <a:ext uri="{FF2B5EF4-FFF2-40B4-BE49-F238E27FC236}">
+                <a16:creationId xmlns:a16="http://schemas.microsoft.com/office/drawing/2014/main" id="{83A4A13A-E62D-45BB-9F17-EBB438D6531F}"/>
+              </a:ext>
+            </a:extLst>
+          </p:cNvPr>
+          <p:cNvSpPr>
+            <a:spLocks noGrp="1"/>
+          </p:cNvSpPr>
+          <p:nvPr>
+            <p:ph type="title" idx="4294967295"/>
+          </p:nvPr>
+        </p:nvSpPr>
+        <p:spPr>
+          <a:xfrm>
+            <a:off x="1012031" y="516603"/>
+            <a:ext cx="10167937" cy="1179513"/>
+          </a:xfrm>
+        </p:spPr>
+        <p:txBody>
+          <a:bodyPr/>
+          <a:lstStyle/>
+          <a:p>
+            <a:r>
+              <a:rPr lang="pt-BR" dirty="0">
+                <a:solidFill>
+                  <a:srgbClr val="363636"/>
+                </a:solidFill>
+              </a:rPr>
+              <a:t>Analytics (Rins)</a:t>
+            </a:r>
+          </a:p>
+        </p:txBody>
+      </p:sp>
+      <p:sp>
+        <p:nvSpPr>
+          <p:cNvPr id="4" name="Retângulo 3">
+            <a:extLst>
+              <a:ext uri="{FF2B5EF4-FFF2-40B4-BE49-F238E27FC236}">
+                <a16:creationId xmlns:a16="http://schemas.microsoft.com/office/drawing/2014/main" id="{FFCF9295-937A-4B33-A4CB-5DB7B6A7A527}"/>
+              </a:ext>
+            </a:extLst>
+          </p:cNvPr>
+          <p:cNvSpPr/>
+          <p:nvPr/>
+        </p:nvSpPr>
+        <p:spPr>
+          <a:xfrm>
+            <a:off x="2281650" y="2559596"/>
+            <a:ext cx="2473452" cy="628650"/>
+          </a:xfrm>
+          <a:prstGeom prst="rect">
+            <a:avLst/>
+          </a:prstGeom>
+          <a:solidFill>
+            <a:schemeClr val="accent4">
+              <a:lumMod val="75000"/>
+            </a:schemeClr>
+          </a:solidFill>
+          <a:ln>
+            <a:solidFill>
+              <a:srgbClr val="363636"/>
+            </a:solidFill>
+          </a:ln>
+        </p:spPr>
+        <p:style>
+          <a:lnRef idx="2">
+            <a:schemeClr val="accent1">
+              <a:shade val="50000"/>
+            </a:schemeClr>
+          </a:lnRef>
+          <a:fillRef idx="1">
+            <a:schemeClr val="accent1"/>
+          </a:fillRef>
+          <a:effectRef idx="0">
+            <a:schemeClr val="accent1"/>
+          </a:effectRef>
+          <a:fontRef idx="minor">
+            <a:schemeClr val="lt1"/>
+          </a:fontRef>
+        </p:style>
+        <p:txBody>
+          <a:bodyPr rtlCol="0" anchor="ctr"/>
+          <a:lstStyle/>
+          <a:p>
+            <a:pPr algn="ctr"/>
+            <a:r>
+              <a:rPr lang="pt-BR" sz="2400" b="1" dirty="0">
+                <a:solidFill>
+                  <a:schemeClr val="tx2"/>
+                </a:solidFill>
+              </a:rPr>
+              <a:t>Crítico</a:t>
+            </a:r>
+          </a:p>
+        </p:txBody>
+      </p:sp>
+      <p:sp>
+        <p:nvSpPr>
+          <p:cNvPr id="6" name="Retângulo 5">
+            <a:extLst>
+              <a:ext uri="{FF2B5EF4-FFF2-40B4-BE49-F238E27FC236}">
+                <a16:creationId xmlns:a16="http://schemas.microsoft.com/office/drawing/2014/main" id="{42DE3707-45C7-4B26-BBC1-B6AD526682F9}"/>
+              </a:ext>
+            </a:extLst>
+          </p:cNvPr>
+          <p:cNvSpPr/>
+          <p:nvPr/>
+        </p:nvSpPr>
+        <p:spPr>
+          <a:xfrm>
+            <a:off x="4755102" y="2559596"/>
+            <a:ext cx="2473452" cy="628650"/>
+          </a:xfrm>
+          <a:prstGeom prst="rect">
+            <a:avLst/>
+          </a:prstGeom>
+          <a:solidFill>
+            <a:srgbClr val="FFFF00"/>
+          </a:solidFill>
+          <a:ln>
+            <a:solidFill>
+              <a:srgbClr val="363636"/>
+            </a:solidFill>
+          </a:ln>
+        </p:spPr>
+        <p:style>
+          <a:lnRef idx="2">
+            <a:schemeClr val="accent1">
+              <a:shade val="50000"/>
+            </a:schemeClr>
+          </a:lnRef>
+          <a:fillRef idx="1">
+            <a:schemeClr val="accent1"/>
+          </a:fillRef>
+          <a:effectRef idx="0">
+            <a:schemeClr val="accent1"/>
+          </a:effectRef>
+          <a:fontRef idx="minor">
+            <a:schemeClr val="lt1"/>
+          </a:fontRef>
+        </p:style>
+        <p:txBody>
+          <a:bodyPr rtlCol="0" anchor="ctr"/>
+          <a:lstStyle/>
+          <a:p>
+            <a:pPr algn="ctr"/>
+            <a:r>
+              <a:rPr lang="pt-BR" sz="2400" b="1" dirty="0">
+                <a:solidFill>
+                  <a:schemeClr val="tx2"/>
+                </a:solidFill>
+              </a:rPr>
+              <a:t>Alerta</a:t>
+            </a:r>
+          </a:p>
+        </p:txBody>
+      </p:sp>
+      <p:sp>
+        <p:nvSpPr>
+          <p:cNvPr id="8" name="Retângulo 7">
+            <a:extLst>
+              <a:ext uri="{FF2B5EF4-FFF2-40B4-BE49-F238E27FC236}">
+                <a16:creationId xmlns:a16="http://schemas.microsoft.com/office/drawing/2014/main" id="{534753E8-DC08-4D85-8E76-1DD10976FC2F}"/>
+              </a:ext>
+            </a:extLst>
+          </p:cNvPr>
+          <p:cNvSpPr/>
+          <p:nvPr/>
+        </p:nvSpPr>
+        <p:spPr>
+          <a:xfrm>
+            <a:off x="7228554" y="2559596"/>
+            <a:ext cx="2473452" cy="628650"/>
+          </a:xfrm>
+          <a:prstGeom prst="rect">
+            <a:avLst/>
+          </a:prstGeom>
+          <a:solidFill>
+            <a:srgbClr val="92D050"/>
+          </a:solidFill>
+          <a:ln>
+            <a:solidFill>
+              <a:srgbClr val="363636"/>
+            </a:solidFill>
+          </a:ln>
+        </p:spPr>
+        <p:style>
+          <a:lnRef idx="2">
+            <a:schemeClr val="accent1">
+              <a:shade val="50000"/>
+            </a:schemeClr>
+          </a:lnRef>
+          <a:fillRef idx="1">
+            <a:schemeClr val="accent1"/>
+          </a:fillRef>
+          <a:effectRef idx="0">
+            <a:schemeClr val="accent1"/>
+          </a:effectRef>
+          <a:fontRef idx="minor">
+            <a:schemeClr val="lt1"/>
+          </a:fontRef>
+        </p:style>
+        <p:txBody>
+          <a:bodyPr rtlCol="0" anchor="ctr"/>
+          <a:lstStyle/>
+          <a:p>
+            <a:pPr algn="ctr"/>
+            <a:r>
+              <a:rPr lang="pt-BR" sz="2400" b="1" dirty="0">
+                <a:solidFill>
+                  <a:schemeClr val="tx2"/>
+                </a:solidFill>
+              </a:rPr>
+              <a:t>Ideal</a:t>
+            </a:r>
+          </a:p>
+        </p:txBody>
+      </p:sp>
+      <p:sp>
+        <p:nvSpPr>
+          <p:cNvPr id="9" name="CaixaDeTexto 8">
+            <a:extLst>
+              <a:ext uri="{FF2B5EF4-FFF2-40B4-BE49-F238E27FC236}">
+                <a16:creationId xmlns:a16="http://schemas.microsoft.com/office/drawing/2014/main" id="{33B73398-4E20-4CFE-81A3-DA32E33E0BB7}"/>
+              </a:ext>
+            </a:extLst>
+          </p:cNvPr>
+          <p:cNvSpPr txBox="1"/>
+          <p:nvPr/>
+        </p:nvSpPr>
+        <p:spPr>
+          <a:xfrm>
+            <a:off x="2281650" y="3188246"/>
+            <a:ext cx="2473452" cy="1815882"/>
+          </a:xfrm>
+          <a:prstGeom prst="rect">
+            <a:avLst/>
+          </a:prstGeom>
+          <a:noFill/>
+        </p:spPr>
+        <p:txBody>
+          <a:bodyPr wrap="square" rtlCol="0">
+            <a:spAutoFit/>
+          </a:bodyPr>
+          <a:lstStyle/>
+          <a:p>
+            <a:pPr marL="285750" indent="-285750">
+              <a:buFont typeface="Arial" panose="020B0604020202020204" pitchFamily="34" charset="0"/>
+              <a:buChar char="•"/>
+            </a:pPr>
+            <a:r>
+              <a:rPr lang="pt-BR" sz="1600" dirty="0">
+                <a:solidFill>
+                  <a:schemeClr val="tx2"/>
+                </a:solidFill>
+              </a:rPr>
+              <a:t>Armazenamento de órgão em risco com perda acelerada da capacidade isotérmica da caixa (temperaturas como 1,5ºC ou 7,4ºC)</a:t>
+            </a:r>
+          </a:p>
+        </p:txBody>
+      </p:sp>
+      <p:sp>
+        <p:nvSpPr>
+          <p:cNvPr id="11" name="CaixaDeTexto 10">
+            <a:extLst>
+              <a:ext uri="{FF2B5EF4-FFF2-40B4-BE49-F238E27FC236}">
+                <a16:creationId xmlns:a16="http://schemas.microsoft.com/office/drawing/2014/main" id="{5E997853-8083-4277-B5EA-6F7F3CAB3191}"/>
+              </a:ext>
+            </a:extLst>
+          </p:cNvPr>
+          <p:cNvSpPr txBox="1"/>
+          <p:nvPr/>
+        </p:nvSpPr>
+        <p:spPr>
+          <a:xfrm>
+            <a:off x="4755102" y="3169136"/>
+            <a:ext cx="2473452" cy="2062103"/>
+          </a:xfrm>
+          <a:prstGeom prst="rect">
+            <a:avLst/>
+          </a:prstGeom>
+          <a:noFill/>
+        </p:spPr>
+        <p:txBody>
+          <a:bodyPr wrap="square" rtlCol="0">
+            <a:spAutoFit/>
+          </a:bodyPr>
+          <a:lstStyle/>
+          <a:p>
+            <a:pPr marL="285750" indent="-285750">
+              <a:buFont typeface="Arial" panose="020B0604020202020204" pitchFamily="34" charset="0"/>
+              <a:buChar char="•"/>
+            </a:pPr>
+            <a:r>
+              <a:rPr lang="pt-BR" sz="1600" dirty="0">
+                <a:solidFill>
+                  <a:schemeClr val="tx2"/>
+                </a:solidFill>
+              </a:rPr>
+              <a:t>Armazenamento de órgão em fase de atenção com risco de perda da capacidade isotérmica da caixa (temperaturas como 2,2ºC ou 5,6ºC)</a:t>
+            </a:r>
+          </a:p>
+        </p:txBody>
+      </p:sp>
+      <p:sp>
+        <p:nvSpPr>
+          <p:cNvPr id="13" name="CaixaDeTexto 12">
+            <a:extLst>
+              <a:ext uri="{FF2B5EF4-FFF2-40B4-BE49-F238E27FC236}">
+                <a16:creationId xmlns:a16="http://schemas.microsoft.com/office/drawing/2014/main" id="{FB2CADAA-0C0B-4B16-A153-F1F523288EAB}"/>
+              </a:ext>
+            </a:extLst>
+          </p:cNvPr>
+          <p:cNvSpPr txBox="1"/>
+          <p:nvPr/>
+        </p:nvSpPr>
+        <p:spPr>
+          <a:xfrm>
+            <a:off x="7228554" y="3169135"/>
+            <a:ext cx="2473452" cy="1815882"/>
+          </a:xfrm>
+          <a:prstGeom prst="rect">
+            <a:avLst/>
+          </a:prstGeom>
+          <a:noFill/>
+        </p:spPr>
+        <p:txBody>
+          <a:bodyPr wrap="square" rtlCol="0">
+            <a:spAutoFit/>
+          </a:bodyPr>
+          <a:lstStyle/>
+          <a:p>
+            <a:pPr marL="285750" indent="-285750">
+              <a:buFont typeface="Arial" panose="020B0604020202020204" pitchFamily="34" charset="0"/>
+              <a:buChar char="•"/>
+            </a:pPr>
+            <a:r>
+              <a:rPr lang="pt-BR" sz="1600" dirty="0">
+                <a:solidFill>
+                  <a:schemeClr val="tx2"/>
+                </a:solidFill>
+              </a:rPr>
+              <a:t>Armazenamento de órgão em fase ideal, sem risco de perda da capacidade isotérmica da caixa, mantendo-se entre 3,5ºC e 4ºC</a:t>
+            </a:r>
+          </a:p>
+        </p:txBody>
+      </p:sp>
+    </p:spTree>
+    <p:extLst>
+      <p:ext uri="{BB962C8B-B14F-4D97-AF65-F5344CB8AC3E}">
+        <p14:creationId xmlns:p14="http://schemas.microsoft.com/office/powerpoint/2010/main" val="2943371185"/>
+      </p:ext>
+    </p:extLst>
+  </p:cSld>
+  <p:clrMapOvr>
+    <a:masterClrMapping/>
+  </p:clrMapOvr>
+</p:sld>
+</file>
+
+<file path=ppt/slides/slide11.xml><?xml version="1.0" encoding="utf-8"?>
+<p:sld xmlns:a="http://schemas.openxmlformats.org/drawingml/2006/main" xmlns:r="http://schemas.openxmlformats.org/officeDocument/2006/relationships" xmlns:p="http://schemas.openxmlformats.org/presentationml/2006/main">
+  <p:cSld>
+    <p:bg>
+      <p:bgPr>
+        <a:solidFill>
+          <a:schemeClr val="bg1"/>
+        </a:solidFill>
+        <a:effectLst/>
+      </p:bgPr>
+    </p:bg>
+    <p:spTree>
+      <p:nvGrpSpPr>
+        <p:cNvPr id="1" name=""/>
+        <p:cNvGrpSpPr/>
+        <p:nvPr/>
+      </p:nvGrpSpPr>
+      <p:grpSpPr>
+        <a:xfrm>
+          <a:off x="0" y="0"/>
+          <a:ext cx="0" cy="0"/>
+          <a:chOff x="0" y="0"/>
+          <a:chExt cx="0" cy="0"/>
+        </a:xfrm>
+      </p:grpSpPr>
+      <p:sp>
+        <p:nvSpPr>
+          <p:cNvPr id="2" name="Título 1">
+            <a:extLst>
+              <a:ext uri="{FF2B5EF4-FFF2-40B4-BE49-F238E27FC236}">
+                <a16:creationId xmlns:a16="http://schemas.microsoft.com/office/drawing/2014/main" id="{83A4A13A-E62D-45BB-9F17-EBB438D6531F}"/>
+              </a:ext>
+            </a:extLst>
+          </p:cNvPr>
+          <p:cNvSpPr>
+            <a:spLocks noGrp="1"/>
+          </p:cNvSpPr>
+          <p:nvPr>
+            <p:ph type="title" idx="4294967295"/>
+          </p:nvPr>
+        </p:nvSpPr>
+        <p:spPr>
+          <a:xfrm>
+            <a:off x="1012031" y="273111"/>
+            <a:ext cx="10167937" cy="1179513"/>
+          </a:xfrm>
+        </p:spPr>
+        <p:txBody>
+          <a:bodyPr/>
+          <a:lstStyle/>
+          <a:p>
+            <a:r>
+              <a:rPr lang="pt-BR" dirty="0">
+                <a:solidFill>
+                  <a:srgbClr val="363636"/>
+                </a:solidFill>
+              </a:rPr>
+              <a:t>Analytics (Rins)</a:t>
+            </a:r>
+          </a:p>
+        </p:txBody>
+      </p:sp>
+      <p:pic>
+        <p:nvPicPr>
+          <p:cNvPr id="3" name="Picture 4">
+            <a:extLst>
+              <a:ext uri="{FF2B5EF4-FFF2-40B4-BE49-F238E27FC236}">
+                <a16:creationId xmlns:a16="http://schemas.microsoft.com/office/drawing/2014/main" id="{AD197701-38AD-42DE-921C-A28C0136A7D0}"/>
+              </a:ext>
+            </a:extLst>
+          </p:cNvPr>
+          <p:cNvPicPr>
+            <a:picLocks noChangeAspect="1" noChangeArrowheads="1"/>
+          </p:cNvPicPr>
+          <p:nvPr/>
+        </p:nvPicPr>
+        <p:blipFill>
+          <a:blip r:embed="rId2">
+            <a:extLst>
+              <a:ext uri="{28A0092B-C50C-407E-A947-70E740481C1C}">
+                <a14:useLocalDpi xmlns:a14="http://schemas.microsoft.com/office/drawing/2010/main" val="0"/>
+              </a:ext>
+            </a:extLst>
+          </a:blip>
+          <a:srcRect/>
+          <a:stretch>
+            <a:fillRect/>
+          </a:stretch>
+        </p:blipFill>
+        <p:spPr bwMode="auto">
+          <a:xfrm>
+            <a:off x="2324769" y="1212334"/>
+            <a:ext cx="7542461" cy="4667605"/>
+          </a:xfrm>
+          <a:prstGeom prst="rect">
+            <a:avLst/>
+          </a:prstGeom>
+          <a:noFill/>
+          <a:extLst>
+            <a:ext uri="{909E8E84-426E-40DD-AFC4-6F175D3DCCD1}">
+              <a14:hiddenFill xmlns:a14="http://schemas.microsoft.com/office/drawing/2010/main">
+                <a:solidFill>
+                  <a:srgbClr val="FFFFFF"/>
+                </a:solidFill>
+              </a14:hiddenFill>
+            </a:ext>
+          </a:extLst>
+        </p:spPr>
+      </p:pic>
+      <p:pic>
+        <p:nvPicPr>
+          <p:cNvPr id="7" name="Imagem 6">
+            <a:extLst>
+              <a:ext uri="{FF2B5EF4-FFF2-40B4-BE49-F238E27FC236}">
+                <a16:creationId xmlns:a16="http://schemas.microsoft.com/office/drawing/2014/main" id="{B420FDEF-6E30-46F9-930C-C43E4B49E9FD}"/>
+              </a:ext>
+            </a:extLst>
+          </p:cNvPr>
+          <p:cNvPicPr>
+            <a:picLocks noChangeAspect="1"/>
+          </p:cNvPicPr>
+          <p:nvPr/>
+        </p:nvPicPr>
+        <p:blipFill>
+          <a:blip r:embed="rId3"/>
+          <a:stretch>
+            <a:fillRect/>
+          </a:stretch>
+        </p:blipFill>
+        <p:spPr>
+          <a:xfrm>
+            <a:off x="3682768" y="5984125"/>
+            <a:ext cx="4826461" cy="723404"/>
+          </a:xfrm>
+          <a:prstGeom prst="rect">
+            <a:avLst/>
+          </a:prstGeom>
+        </p:spPr>
+      </p:pic>
+    </p:spTree>
+    <p:extLst>
+      <p:ext uri="{BB962C8B-B14F-4D97-AF65-F5344CB8AC3E}">
+        <p14:creationId xmlns:p14="http://schemas.microsoft.com/office/powerpoint/2010/main" val="3046558325"/>
+      </p:ext>
+    </p:extLst>
+  </p:cSld>
+  <p:clrMapOvr>
+    <a:masterClrMapping/>
+  </p:clrMapOvr>
+</p:sld>
+</file>
+
+<file path=ppt/slides/slide12.xml><?xml version="1.0" encoding="utf-8"?>
+<p:sld xmlns:a="http://schemas.openxmlformats.org/drawingml/2006/main" xmlns:r="http://schemas.openxmlformats.org/officeDocument/2006/relationships" xmlns:p="http://schemas.openxmlformats.org/presentationml/2006/main">
+  <p:cSld>
+    <p:bg>
+      <p:bgPr>
+        <a:solidFill>
+          <a:schemeClr val="bg1"/>
+        </a:solidFill>
+        <a:effectLst/>
+      </p:bgPr>
+    </p:bg>
+    <p:spTree>
+      <p:nvGrpSpPr>
+        <p:cNvPr id="1" name=""/>
+        <p:cNvGrpSpPr/>
+        <p:nvPr/>
+      </p:nvGrpSpPr>
+      <p:grpSpPr>
+        <a:xfrm>
+          <a:off x="0" y="0"/>
+          <a:ext cx="0" cy="0"/>
+          <a:chOff x="0" y="0"/>
+          <a:chExt cx="0" cy="0"/>
+        </a:xfrm>
+      </p:grpSpPr>
+      <p:sp>
+        <p:nvSpPr>
           <p:cNvPr id="71" name="Rectangle 70">
             <a:extLst>
               <a:ext uri="{FF2B5EF4-FFF2-40B4-BE49-F238E27FC236}">
@@ -6546,547 +7087,6 @@
     <p:extLst>
       <p:ext uri="{BB962C8B-B14F-4D97-AF65-F5344CB8AC3E}">
         <p14:creationId xmlns:p14="http://schemas.microsoft.com/office/powerpoint/2010/main" val="3110370112"/>
-      </p:ext>
-    </p:extLst>
-  </p:cSld>
-  <p:clrMapOvr>
-    <a:masterClrMapping/>
-  </p:clrMapOvr>
-</p:sld>
-</file>
-
-<file path=ppt/slides/slide11.xml><?xml version="1.0" encoding="utf-8"?>
-<p:sld xmlns:a="http://schemas.openxmlformats.org/drawingml/2006/main" xmlns:r="http://schemas.openxmlformats.org/officeDocument/2006/relationships" xmlns:p="http://schemas.openxmlformats.org/presentationml/2006/main">
-  <p:cSld>
-    <p:bg>
-      <p:bgPr>
-        <a:solidFill>
-          <a:schemeClr val="bg1"/>
-        </a:solidFill>
-        <a:effectLst/>
-      </p:bgPr>
-    </p:bg>
-    <p:spTree>
-      <p:nvGrpSpPr>
-        <p:cNvPr id="1" name=""/>
-        <p:cNvGrpSpPr/>
-        <p:nvPr/>
-      </p:nvGrpSpPr>
-      <p:grpSpPr>
-        <a:xfrm>
-          <a:off x="0" y="0"/>
-          <a:ext cx="0" cy="0"/>
-          <a:chOff x="0" y="0"/>
-          <a:chExt cx="0" cy="0"/>
-        </a:xfrm>
-      </p:grpSpPr>
-      <p:sp>
-        <p:nvSpPr>
-          <p:cNvPr id="2" name="Título 1">
-            <a:extLst>
-              <a:ext uri="{FF2B5EF4-FFF2-40B4-BE49-F238E27FC236}">
-                <a16:creationId xmlns:a16="http://schemas.microsoft.com/office/drawing/2014/main" id="{83A4A13A-E62D-45BB-9F17-EBB438D6531F}"/>
-              </a:ext>
-            </a:extLst>
-          </p:cNvPr>
-          <p:cNvSpPr>
-            <a:spLocks noGrp="1"/>
-          </p:cNvSpPr>
-          <p:nvPr>
-            <p:ph type="title" idx="4294967295"/>
-          </p:nvPr>
-        </p:nvSpPr>
-        <p:spPr>
-          <a:xfrm>
-            <a:off x="1012031" y="516603"/>
-            <a:ext cx="10167937" cy="1179513"/>
-          </a:xfrm>
-        </p:spPr>
-        <p:txBody>
-          <a:bodyPr/>
-          <a:lstStyle/>
-          <a:p>
-            <a:r>
-              <a:rPr lang="pt-BR" dirty="0">
-                <a:solidFill>
-                  <a:srgbClr val="363636"/>
-                </a:solidFill>
-              </a:rPr>
-              <a:t>Analytics (Rins)</a:t>
-            </a:r>
-          </a:p>
-        </p:txBody>
-      </p:sp>
-      <p:sp>
-        <p:nvSpPr>
-          <p:cNvPr id="4" name="Retângulo 3">
-            <a:extLst>
-              <a:ext uri="{FF2B5EF4-FFF2-40B4-BE49-F238E27FC236}">
-                <a16:creationId xmlns:a16="http://schemas.microsoft.com/office/drawing/2014/main" id="{FFCF9295-937A-4B33-A4CB-5DB7B6A7A527}"/>
-              </a:ext>
-            </a:extLst>
-          </p:cNvPr>
-          <p:cNvSpPr/>
-          <p:nvPr/>
-        </p:nvSpPr>
-        <p:spPr>
-          <a:xfrm>
-            <a:off x="2281650" y="2559596"/>
-            <a:ext cx="2473452" cy="628650"/>
-          </a:xfrm>
-          <a:prstGeom prst="rect">
-            <a:avLst/>
-          </a:prstGeom>
-          <a:solidFill>
-            <a:schemeClr val="accent4">
-              <a:lumMod val="75000"/>
-            </a:schemeClr>
-          </a:solidFill>
-          <a:ln>
-            <a:solidFill>
-              <a:srgbClr val="363636"/>
-            </a:solidFill>
-          </a:ln>
-        </p:spPr>
-        <p:style>
-          <a:lnRef idx="2">
-            <a:schemeClr val="accent1">
-              <a:shade val="50000"/>
-            </a:schemeClr>
-          </a:lnRef>
-          <a:fillRef idx="1">
-            <a:schemeClr val="accent1"/>
-          </a:fillRef>
-          <a:effectRef idx="0">
-            <a:schemeClr val="accent1"/>
-          </a:effectRef>
-          <a:fontRef idx="minor">
-            <a:schemeClr val="lt1"/>
-          </a:fontRef>
-        </p:style>
-        <p:txBody>
-          <a:bodyPr rtlCol="0" anchor="ctr"/>
-          <a:lstStyle/>
-          <a:p>
-            <a:pPr algn="ctr"/>
-            <a:r>
-              <a:rPr lang="pt-BR" sz="2400" b="1" dirty="0">
-                <a:solidFill>
-                  <a:schemeClr val="tx2"/>
-                </a:solidFill>
-              </a:rPr>
-              <a:t>Crítico</a:t>
-            </a:r>
-          </a:p>
-        </p:txBody>
-      </p:sp>
-      <p:sp>
-        <p:nvSpPr>
-          <p:cNvPr id="6" name="Retângulo 5">
-            <a:extLst>
-              <a:ext uri="{FF2B5EF4-FFF2-40B4-BE49-F238E27FC236}">
-                <a16:creationId xmlns:a16="http://schemas.microsoft.com/office/drawing/2014/main" id="{42DE3707-45C7-4B26-BBC1-B6AD526682F9}"/>
-              </a:ext>
-            </a:extLst>
-          </p:cNvPr>
-          <p:cNvSpPr/>
-          <p:nvPr/>
-        </p:nvSpPr>
-        <p:spPr>
-          <a:xfrm>
-            <a:off x="4755102" y="2559596"/>
-            <a:ext cx="2473452" cy="628650"/>
-          </a:xfrm>
-          <a:prstGeom prst="rect">
-            <a:avLst/>
-          </a:prstGeom>
-          <a:solidFill>
-            <a:srgbClr val="FFFF00"/>
-          </a:solidFill>
-          <a:ln>
-            <a:solidFill>
-              <a:srgbClr val="363636"/>
-            </a:solidFill>
-          </a:ln>
-        </p:spPr>
-        <p:style>
-          <a:lnRef idx="2">
-            <a:schemeClr val="accent1">
-              <a:shade val="50000"/>
-            </a:schemeClr>
-          </a:lnRef>
-          <a:fillRef idx="1">
-            <a:schemeClr val="accent1"/>
-          </a:fillRef>
-          <a:effectRef idx="0">
-            <a:schemeClr val="accent1"/>
-          </a:effectRef>
-          <a:fontRef idx="minor">
-            <a:schemeClr val="lt1"/>
-          </a:fontRef>
-        </p:style>
-        <p:txBody>
-          <a:bodyPr rtlCol="0" anchor="ctr"/>
-          <a:lstStyle/>
-          <a:p>
-            <a:pPr algn="ctr"/>
-            <a:r>
-              <a:rPr lang="pt-BR" sz="2400" b="1" dirty="0">
-                <a:solidFill>
-                  <a:schemeClr val="tx2"/>
-                </a:solidFill>
-              </a:rPr>
-              <a:t>Alerta</a:t>
-            </a:r>
-          </a:p>
-        </p:txBody>
-      </p:sp>
-      <p:sp>
-        <p:nvSpPr>
-          <p:cNvPr id="8" name="Retângulo 7">
-            <a:extLst>
-              <a:ext uri="{FF2B5EF4-FFF2-40B4-BE49-F238E27FC236}">
-                <a16:creationId xmlns:a16="http://schemas.microsoft.com/office/drawing/2014/main" id="{534753E8-DC08-4D85-8E76-1DD10976FC2F}"/>
-              </a:ext>
-            </a:extLst>
-          </p:cNvPr>
-          <p:cNvSpPr/>
-          <p:nvPr/>
-        </p:nvSpPr>
-        <p:spPr>
-          <a:xfrm>
-            <a:off x="7228554" y="2559596"/>
-            <a:ext cx="2473452" cy="628650"/>
-          </a:xfrm>
-          <a:prstGeom prst="rect">
-            <a:avLst/>
-          </a:prstGeom>
-          <a:solidFill>
-            <a:srgbClr val="92D050"/>
-          </a:solidFill>
-          <a:ln>
-            <a:solidFill>
-              <a:srgbClr val="363636"/>
-            </a:solidFill>
-          </a:ln>
-        </p:spPr>
-        <p:style>
-          <a:lnRef idx="2">
-            <a:schemeClr val="accent1">
-              <a:shade val="50000"/>
-            </a:schemeClr>
-          </a:lnRef>
-          <a:fillRef idx="1">
-            <a:schemeClr val="accent1"/>
-          </a:fillRef>
-          <a:effectRef idx="0">
-            <a:schemeClr val="accent1"/>
-          </a:effectRef>
-          <a:fontRef idx="minor">
-            <a:schemeClr val="lt1"/>
-          </a:fontRef>
-        </p:style>
-        <p:txBody>
-          <a:bodyPr rtlCol="0" anchor="ctr"/>
-          <a:lstStyle/>
-          <a:p>
-            <a:pPr algn="ctr"/>
-            <a:r>
-              <a:rPr lang="pt-BR" sz="2400" b="1" dirty="0">
-                <a:solidFill>
-                  <a:schemeClr val="tx2"/>
-                </a:solidFill>
-              </a:rPr>
-              <a:t>Ideal</a:t>
-            </a:r>
-          </a:p>
-        </p:txBody>
-      </p:sp>
-      <p:sp>
-        <p:nvSpPr>
-          <p:cNvPr id="9" name="CaixaDeTexto 8">
-            <a:extLst>
-              <a:ext uri="{FF2B5EF4-FFF2-40B4-BE49-F238E27FC236}">
-                <a16:creationId xmlns:a16="http://schemas.microsoft.com/office/drawing/2014/main" id="{33B73398-4E20-4CFE-81A3-DA32E33E0BB7}"/>
-              </a:ext>
-            </a:extLst>
-          </p:cNvPr>
-          <p:cNvSpPr txBox="1"/>
-          <p:nvPr/>
-        </p:nvSpPr>
-        <p:spPr>
-          <a:xfrm>
-            <a:off x="2281650" y="3188246"/>
-            <a:ext cx="2473452" cy="1815882"/>
-          </a:xfrm>
-          <a:prstGeom prst="rect">
-            <a:avLst/>
-          </a:prstGeom>
-          <a:noFill/>
-        </p:spPr>
-        <p:txBody>
-          <a:bodyPr wrap="square" rtlCol="0">
-            <a:spAutoFit/>
-          </a:bodyPr>
-          <a:lstStyle/>
-          <a:p>
-            <a:pPr marL="285750" indent="-285750">
-              <a:buFont typeface="Arial" panose="020B0604020202020204" pitchFamily="34" charset="0"/>
-              <a:buChar char="•"/>
-            </a:pPr>
-            <a:r>
-              <a:rPr lang="pt-BR" sz="1600" dirty="0">
-                <a:solidFill>
-                  <a:schemeClr val="tx2"/>
-                </a:solidFill>
-              </a:rPr>
-              <a:t>Armazenamento de órgão em risco com perda acelerada da capacidade isotérmica da caixa (temperaturas como 1,5ºC ou 7,4ºC)</a:t>
-            </a:r>
-          </a:p>
-        </p:txBody>
-      </p:sp>
-      <p:sp>
-        <p:nvSpPr>
-          <p:cNvPr id="11" name="CaixaDeTexto 10">
-            <a:extLst>
-              <a:ext uri="{FF2B5EF4-FFF2-40B4-BE49-F238E27FC236}">
-                <a16:creationId xmlns:a16="http://schemas.microsoft.com/office/drawing/2014/main" id="{5E997853-8083-4277-B5EA-6F7F3CAB3191}"/>
-              </a:ext>
-            </a:extLst>
-          </p:cNvPr>
-          <p:cNvSpPr txBox="1"/>
-          <p:nvPr/>
-        </p:nvSpPr>
-        <p:spPr>
-          <a:xfrm>
-            <a:off x="4755102" y="3169136"/>
-            <a:ext cx="2473452" cy="2062103"/>
-          </a:xfrm>
-          <a:prstGeom prst="rect">
-            <a:avLst/>
-          </a:prstGeom>
-          <a:noFill/>
-        </p:spPr>
-        <p:txBody>
-          <a:bodyPr wrap="square" rtlCol="0">
-            <a:spAutoFit/>
-          </a:bodyPr>
-          <a:lstStyle/>
-          <a:p>
-            <a:pPr marL="285750" indent="-285750">
-              <a:buFont typeface="Arial" panose="020B0604020202020204" pitchFamily="34" charset="0"/>
-              <a:buChar char="•"/>
-            </a:pPr>
-            <a:r>
-              <a:rPr lang="pt-BR" sz="1600" dirty="0">
-                <a:solidFill>
-                  <a:schemeClr val="tx2"/>
-                </a:solidFill>
-              </a:rPr>
-              <a:t>Armazenamento de órgão em fase de atenção com risco de perda da capacidade isotérmica da caixa (temperaturas como 2,2ºC ou 5,6ºC)</a:t>
-            </a:r>
-          </a:p>
-        </p:txBody>
-      </p:sp>
-      <p:sp>
-        <p:nvSpPr>
-          <p:cNvPr id="13" name="CaixaDeTexto 12">
-            <a:extLst>
-              <a:ext uri="{FF2B5EF4-FFF2-40B4-BE49-F238E27FC236}">
-                <a16:creationId xmlns:a16="http://schemas.microsoft.com/office/drawing/2014/main" id="{FB2CADAA-0C0B-4B16-A153-F1F523288EAB}"/>
-              </a:ext>
-            </a:extLst>
-          </p:cNvPr>
-          <p:cNvSpPr txBox="1"/>
-          <p:nvPr/>
-        </p:nvSpPr>
-        <p:spPr>
-          <a:xfrm>
-            <a:off x="7228554" y="3169135"/>
-            <a:ext cx="2473452" cy="1815882"/>
-          </a:xfrm>
-          <a:prstGeom prst="rect">
-            <a:avLst/>
-          </a:prstGeom>
-          <a:noFill/>
-        </p:spPr>
-        <p:txBody>
-          <a:bodyPr wrap="square" rtlCol="0">
-            <a:spAutoFit/>
-          </a:bodyPr>
-          <a:lstStyle/>
-          <a:p>
-            <a:pPr marL="285750" indent="-285750">
-              <a:buFont typeface="Arial" panose="020B0604020202020204" pitchFamily="34" charset="0"/>
-              <a:buChar char="•"/>
-            </a:pPr>
-            <a:r>
-              <a:rPr lang="pt-BR" sz="1600" dirty="0">
-                <a:solidFill>
-                  <a:schemeClr val="tx2"/>
-                </a:solidFill>
-              </a:rPr>
-              <a:t>Armazenamento de órgão em fase ideal, sem risco de perda da capacidade isotérmica da caixa, mantendo-se entre 3,5ºC e 4ºC</a:t>
-            </a:r>
-          </a:p>
-        </p:txBody>
-      </p:sp>
-    </p:spTree>
-    <p:extLst>
-      <p:ext uri="{BB962C8B-B14F-4D97-AF65-F5344CB8AC3E}">
-        <p14:creationId xmlns:p14="http://schemas.microsoft.com/office/powerpoint/2010/main" val="2943371185"/>
-      </p:ext>
-    </p:extLst>
-  </p:cSld>
-  <p:clrMapOvr>
-    <a:masterClrMapping/>
-  </p:clrMapOvr>
-</p:sld>
-</file>
-
-<file path=ppt/slides/slide12.xml><?xml version="1.0" encoding="utf-8"?>
-<p:sld xmlns:a="http://schemas.openxmlformats.org/drawingml/2006/main" xmlns:r="http://schemas.openxmlformats.org/officeDocument/2006/relationships" xmlns:p="http://schemas.openxmlformats.org/presentationml/2006/main">
-  <p:cSld>
-    <p:bg>
-      <p:bgPr>
-        <a:solidFill>
-          <a:schemeClr val="bg1"/>
-        </a:solidFill>
-        <a:effectLst/>
-      </p:bgPr>
-    </p:bg>
-    <p:spTree>
-      <p:nvGrpSpPr>
-        <p:cNvPr id="1" name=""/>
-        <p:cNvGrpSpPr/>
-        <p:nvPr/>
-      </p:nvGrpSpPr>
-      <p:grpSpPr>
-        <a:xfrm>
-          <a:off x="0" y="0"/>
-          <a:ext cx="0" cy="0"/>
-          <a:chOff x="0" y="0"/>
-          <a:chExt cx="0" cy="0"/>
-        </a:xfrm>
-      </p:grpSpPr>
-      <p:sp>
-        <p:nvSpPr>
-          <p:cNvPr id="2" name="Título 1">
-            <a:extLst>
-              <a:ext uri="{FF2B5EF4-FFF2-40B4-BE49-F238E27FC236}">
-                <a16:creationId xmlns:a16="http://schemas.microsoft.com/office/drawing/2014/main" id="{83A4A13A-E62D-45BB-9F17-EBB438D6531F}"/>
-              </a:ext>
-            </a:extLst>
-          </p:cNvPr>
-          <p:cNvSpPr>
-            <a:spLocks noGrp="1"/>
-          </p:cNvSpPr>
-          <p:nvPr>
-            <p:ph type="title" idx="4294967295"/>
-          </p:nvPr>
-        </p:nvSpPr>
-        <p:spPr>
-          <a:xfrm>
-            <a:off x="1012031" y="273111"/>
-            <a:ext cx="10167937" cy="1179513"/>
-          </a:xfrm>
-        </p:spPr>
-        <p:txBody>
-          <a:bodyPr/>
-          <a:lstStyle/>
-          <a:p>
-            <a:r>
-              <a:rPr lang="pt-BR" dirty="0">
-                <a:solidFill>
-                  <a:srgbClr val="363636"/>
-                </a:solidFill>
-              </a:rPr>
-              <a:t>Analytics (Rins)</a:t>
-            </a:r>
-          </a:p>
-        </p:txBody>
-      </p:sp>
-      <p:pic>
-        <p:nvPicPr>
-          <p:cNvPr id="3" name="Picture 4">
-            <a:extLst>
-              <a:ext uri="{FF2B5EF4-FFF2-40B4-BE49-F238E27FC236}">
-                <a16:creationId xmlns:a16="http://schemas.microsoft.com/office/drawing/2014/main" id="{AD197701-38AD-42DE-921C-A28C0136A7D0}"/>
-              </a:ext>
-            </a:extLst>
-          </p:cNvPr>
-          <p:cNvPicPr>
-            <a:picLocks noChangeAspect="1" noChangeArrowheads="1"/>
-          </p:cNvPicPr>
-          <p:nvPr/>
-        </p:nvPicPr>
-        <p:blipFill>
-          <a:blip r:embed="rId2">
-            <a:extLst>
-              <a:ext uri="{28A0092B-C50C-407E-A947-70E740481C1C}">
-                <a14:useLocalDpi xmlns:a14="http://schemas.microsoft.com/office/drawing/2010/main" val="0"/>
-              </a:ext>
-            </a:extLst>
-          </a:blip>
-          <a:srcRect/>
-          <a:stretch>
-            <a:fillRect/>
-          </a:stretch>
-        </p:blipFill>
-        <p:spPr bwMode="auto">
-          <a:xfrm>
-            <a:off x="2324769" y="1212334"/>
-            <a:ext cx="7542461" cy="4667605"/>
-          </a:xfrm>
-          <a:prstGeom prst="rect">
-            <a:avLst/>
-          </a:prstGeom>
-          <a:noFill/>
-          <a:extLst>
-            <a:ext uri="{909E8E84-426E-40DD-AFC4-6F175D3DCCD1}">
-              <a14:hiddenFill xmlns:a14="http://schemas.microsoft.com/office/drawing/2010/main">
-                <a:solidFill>
-                  <a:srgbClr val="FFFFFF"/>
-                </a:solidFill>
-              </a14:hiddenFill>
-            </a:ext>
-          </a:extLst>
-        </p:spPr>
-      </p:pic>
-      <p:pic>
-        <p:nvPicPr>
-          <p:cNvPr id="7" name="Imagem 6">
-            <a:extLst>
-              <a:ext uri="{FF2B5EF4-FFF2-40B4-BE49-F238E27FC236}">
-                <a16:creationId xmlns:a16="http://schemas.microsoft.com/office/drawing/2014/main" id="{B420FDEF-6E30-46F9-930C-C43E4B49E9FD}"/>
-              </a:ext>
-            </a:extLst>
-          </p:cNvPr>
-          <p:cNvPicPr>
-            <a:picLocks noChangeAspect="1"/>
-          </p:cNvPicPr>
-          <p:nvPr/>
-        </p:nvPicPr>
-        <p:blipFill>
-          <a:blip r:embed="rId3"/>
-          <a:stretch>
-            <a:fillRect/>
-          </a:stretch>
-        </p:blipFill>
-        <p:spPr>
-          <a:xfrm>
-            <a:off x="3682768" y="5984125"/>
-            <a:ext cx="4826461" cy="723404"/>
-          </a:xfrm>
-          <a:prstGeom prst="rect">
-            <a:avLst/>
-          </a:prstGeom>
-        </p:spPr>
-      </p:pic>
-    </p:spTree>
-    <p:extLst>
-      <p:ext uri="{BB962C8B-B14F-4D97-AF65-F5344CB8AC3E}">
-        <p14:creationId xmlns:p14="http://schemas.microsoft.com/office/powerpoint/2010/main" val="3046558325"/>
       </p:ext>
     </p:extLst>
   </p:cSld>

--- a/Slides/Apresentação.pptx
+++ b/Slides/Apresentação.pptx
@@ -281,7 +281,7 @@
           <a:p>
             <a:fld id="{02AC24A9-CCB6-4F8D-B8DB-C2F3692CFA5A}" type="datetimeFigureOut">
               <a:rPr lang="en-US" smtClean="0"/>
-              <a:t>10/28/2020</a:t>
+              <a:t>10/29/2020</a:t>
             </a:fld>
             <a:endParaRPr lang="en-US" dirty="0"/>
           </a:p>
@@ -651,7 +651,7 @@
           <a:p>
             <a:fld id="{02AC24A9-CCB6-4F8D-B8DB-C2F3692CFA5A}" type="datetimeFigureOut">
               <a:rPr lang="en-US" smtClean="0"/>
-              <a:t>10/28/2020</a:t>
+              <a:t>10/29/2020</a:t>
             </a:fld>
             <a:endParaRPr lang="en-US"/>
           </a:p>
@@ -860,7 +860,7 @@
           <a:p>
             <a:fld id="{02AC24A9-CCB6-4F8D-B8DB-C2F3692CFA5A}" type="datetimeFigureOut">
               <a:rPr lang="en-US" smtClean="0"/>
-              <a:t>10/28/2020</a:t>
+              <a:t>10/29/2020</a:t>
             </a:fld>
             <a:endParaRPr lang="en-US"/>
           </a:p>
@@ -1330,7 +1330,7 @@
           <a:p>
             <a:fld id="{02AC24A9-CCB6-4F8D-B8DB-C2F3692CFA5A}" type="datetimeFigureOut">
               <a:rPr lang="en-US" smtClean="0"/>
-              <a:t>10/28/2020</a:t>
+              <a:t>10/29/2020</a:t>
             </a:fld>
             <a:endParaRPr lang="en-US"/>
           </a:p>
@@ -1784,7 +1784,7 @@
           <a:p>
             <a:fld id="{02AC24A9-CCB6-4F8D-B8DB-C2F3692CFA5A}" type="datetimeFigureOut">
               <a:rPr lang="en-US" smtClean="0"/>
-              <a:t>10/28/2020</a:t>
+              <a:t>10/29/2020</a:t>
             </a:fld>
             <a:endParaRPr lang="en-US"/>
           </a:p>
@@ -2316,7 +2316,7 @@
           <a:p>
             <a:fld id="{02AC24A9-CCB6-4F8D-B8DB-C2F3692CFA5A}" type="datetimeFigureOut">
               <a:rPr lang="en-US" smtClean="0"/>
-              <a:t>10/28/2020</a:t>
+              <a:t>10/29/2020</a:t>
             </a:fld>
             <a:endParaRPr lang="en-US"/>
           </a:p>
@@ -3015,7 +3015,7 @@
           <a:p>
             <a:fld id="{02AC24A9-CCB6-4F8D-B8DB-C2F3692CFA5A}" type="datetimeFigureOut">
               <a:rPr lang="en-US" smtClean="0"/>
-              <a:t>10/28/2020</a:t>
+              <a:t>10/29/2020</a:t>
             </a:fld>
             <a:endParaRPr lang="en-US"/>
           </a:p>
@@ -3344,7 +3344,7 @@
           <a:p>
             <a:fld id="{02AC24A9-CCB6-4F8D-B8DB-C2F3692CFA5A}" type="datetimeFigureOut">
               <a:rPr lang="en-US" smtClean="0"/>
-              <a:t>10/28/2020</a:t>
+              <a:t>10/29/2020</a:t>
             </a:fld>
             <a:endParaRPr lang="en-US"/>
           </a:p>
@@ -3457,7 +3457,7 @@
           <a:p>
             <a:fld id="{02AC24A9-CCB6-4F8D-B8DB-C2F3692CFA5A}" type="datetimeFigureOut">
               <a:rPr lang="en-US" smtClean="0"/>
-              <a:t>10/28/2020</a:t>
+              <a:t>10/29/2020</a:t>
             </a:fld>
             <a:endParaRPr lang="en-US"/>
           </a:p>
@@ -3952,7 +3952,7 @@
           <a:p>
             <a:fld id="{02AC24A9-CCB6-4F8D-B8DB-C2F3692CFA5A}" type="datetimeFigureOut">
               <a:rPr lang="en-US" smtClean="0"/>
-              <a:t>10/28/2020</a:t>
+              <a:t>10/29/2020</a:t>
             </a:fld>
             <a:endParaRPr lang="en-US" dirty="0"/>
           </a:p>
@@ -4429,7 +4429,7 @@
           <a:p>
             <a:fld id="{02AC24A9-CCB6-4F8D-B8DB-C2F3692CFA5A}" type="datetimeFigureOut">
               <a:rPr lang="en-US" smtClean="0"/>
-              <a:t>10/28/2020</a:t>
+              <a:t>10/29/2020</a:t>
             </a:fld>
             <a:endParaRPr lang="en-US"/>
           </a:p>
@@ -4672,7 +4672,7 @@
           <a:p>
             <a:fld id="{02AC24A9-CCB6-4F8D-B8DB-C2F3692CFA5A}" type="datetimeFigureOut">
               <a:rPr lang="en-US" smtClean="0"/>
-              <a:t>10/28/2020</a:t>
+              <a:t>10/29/2020</a:t>
             </a:fld>
             <a:endParaRPr lang="en-US"/>
           </a:p>
@@ -11921,7 +11921,7 @@
         </p:nvSpPr>
         <p:spPr>
           <a:xfrm>
-            <a:off x="5325532" y="1103788"/>
+            <a:off x="5527525" y="1103768"/>
             <a:ext cx="1179333" cy="276999"/>
           </a:xfrm>
           <a:prstGeom prst="rect">
@@ -14069,9 +14069,26 @@
           <a:lstStyle/>
           <a:p>
             <a:r>
-              <a:rPr lang="en-US" sz="4800"/>
-              <a:t>Tabelas e Modelos de dados lógico</a:t>
+              <a:rPr lang="en-US" sz="4800" dirty="0" err="1"/>
+              <a:t>Tabelas</a:t>
             </a:r>
+            <a:r>
+              <a:rPr lang="en-US" sz="4800" dirty="0"/>
+              <a:t> e </a:t>
+            </a:r>
+            <a:r>
+              <a:rPr lang="en-US" sz="4800" dirty="0" err="1"/>
+              <a:t>Modelo</a:t>
+            </a:r>
+            <a:r>
+              <a:rPr lang="en-US" sz="4800" dirty="0"/>
+              <a:t> de dados </a:t>
+            </a:r>
+            <a:r>
+              <a:rPr lang="en-US" sz="4800" dirty="0" err="1"/>
+              <a:t>lógico</a:t>
+            </a:r>
+            <a:endParaRPr lang="en-US" sz="4800" dirty="0"/>
           </a:p>
         </p:txBody>
       </p:sp>
@@ -14850,7 +14867,7 @@
         </p:blipFill>
         <p:spPr>
           <a:xfrm>
-            <a:off x="1219199" y="2139484"/>
+            <a:off x="1219199" y="2135805"/>
             <a:ext cx="9753602" cy="4096512"/>
           </a:xfrm>
           <a:prstGeom prst="rect">

--- a/Slides/Apresentação.pptx
+++ b/Slides/Apresentação.pptx
@@ -281,7 +281,7 @@
           <a:p>
             <a:fld id="{02AC24A9-CCB6-4F8D-B8DB-C2F3692CFA5A}" type="datetimeFigureOut">
               <a:rPr lang="en-US" smtClean="0"/>
-              <a:t>10/29/2020</a:t>
+              <a:t>10/30/2020</a:t>
             </a:fld>
             <a:endParaRPr lang="en-US" dirty="0"/>
           </a:p>
@@ -651,7 +651,7 @@
           <a:p>
             <a:fld id="{02AC24A9-CCB6-4F8D-B8DB-C2F3692CFA5A}" type="datetimeFigureOut">
               <a:rPr lang="en-US" smtClean="0"/>
-              <a:t>10/29/2020</a:t>
+              <a:t>10/30/2020</a:t>
             </a:fld>
             <a:endParaRPr lang="en-US"/>
           </a:p>
@@ -860,7 +860,7 @@
           <a:p>
             <a:fld id="{02AC24A9-CCB6-4F8D-B8DB-C2F3692CFA5A}" type="datetimeFigureOut">
               <a:rPr lang="en-US" smtClean="0"/>
-              <a:t>10/29/2020</a:t>
+              <a:t>10/30/2020</a:t>
             </a:fld>
             <a:endParaRPr lang="en-US"/>
           </a:p>
@@ -1330,7 +1330,7 @@
           <a:p>
             <a:fld id="{02AC24A9-CCB6-4F8D-B8DB-C2F3692CFA5A}" type="datetimeFigureOut">
               <a:rPr lang="en-US" smtClean="0"/>
-              <a:t>10/29/2020</a:t>
+              <a:t>10/30/2020</a:t>
             </a:fld>
             <a:endParaRPr lang="en-US"/>
           </a:p>
@@ -1784,7 +1784,7 @@
           <a:p>
             <a:fld id="{02AC24A9-CCB6-4F8D-B8DB-C2F3692CFA5A}" type="datetimeFigureOut">
               <a:rPr lang="en-US" smtClean="0"/>
-              <a:t>10/29/2020</a:t>
+              <a:t>10/30/2020</a:t>
             </a:fld>
             <a:endParaRPr lang="en-US"/>
           </a:p>
@@ -2316,7 +2316,7 @@
           <a:p>
             <a:fld id="{02AC24A9-CCB6-4F8D-B8DB-C2F3692CFA5A}" type="datetimeFigureOut">
               <a:rPr lang="en-US" smtClean="0"/>
-              <a:t>10/29/2020</a:t>
+              <a:t>10/30/2020</a:t>
             </a:fld>
             <a:endParaRPr lang="en-US"/>
           </a:p>
@@ -3015,7 +3015,7 @@
           <a:p>
             <a:fld id="{02AC24A9-CCB6-4F8D-B8DB-C2F3692CFA5A}" type="datetimeFigureOut">
               <a:rPr lang="en-US" smtClean="0"/>
-              <a:t>10/29/2020</a:t>
+              <a:t>10/30/2020</a:t>
             </a:fld>
             <a:endParaRPr lang="en-US"/>
           </a:p>
@@ -3344,7 +3344,7 @@
           <a:p>
             <a:fld id="{02AC24A9-CCB6-4F8D-B8DB-C2F3692CFA5A}" type="datetimeFigureOut">
               <a:rPr lang="en-US" smtClean="0"/>
-              <a:t>10/29/2020</a:t>
+              <a:t>10/30/2020</a:t>
             </a:fld>
             <a:endParaRPr lang="en-US"/>
           </a:p>
@@ -3457,7 +3457,7 @@
           <a:p>
             <a:fld id="{02AC24A9-CCB6-4F8D-B8DB-C2F3692CFA5A}" type="datetimeFigureOut">
               <a:rPr lang="en-US" smtClean="0"/>
-              <a:t>10/29/2020</a:t>
+              <a:t>10/30/2020</a:t>
             </a:fld>
             <a:endParaRPr lang="en-US"/>
           </a:p>
@@ -3952,7 +3952,7 @@
           <a:p>
             <a:fld id="{02AC24A9-CCB6-4F8D-B8DB-C2F3692CFA5A}" type="datetimeFigureOut">
               <a:rPr lang="en-US" smtClean="0"/>
-              <a:t>10/29/2020</a:t>
+              <a:t>10/30/2020</a:t>
             </a:fld>
             <a:endParaRPr lang="en-US" dirty="0"/>
           </a:p>
@@ -4429,7 +4429,7 @@
           <a:p>
             <a:fld id="{02AC24A9-CCB6-4F8D-B8DB-C2F3692CFA5A}" type="datetimeFigureOut">
               <a:rPr lang="en-US" smtClean="0"/>
-              <a:t>10/29/2020</a:t>
+              <a:t>10/30/2020</a:t>
             </a:fld>
             <a:endParaRPr lang="en-US"/>
           </a:p>
@@ -4672,7 +4672,7 @@
           <a:p>
             <a:fld id="{02AC24A9-CCB6-4F8D-B8DB-C2F3692CFA5A}" type="datetimeFigureOut">
               <a:rPr lang="en-US" smtClean="0"/>
-              <a:t>10/29/2020</a:t>
+              <a:t>10/30/2020</a:t>
             </a:fld>
             <a:endParaRPr lang="en-US"/>
           </a:p>
@@ -14367,7 +14367,7 @@
       </p:grpSpPr>
       <p:sp>
         <p:nvSpPr>
-          <p:cNvPr id="23" name="Rectangle 22">
+          <p:cNvPr id="71" name="Rectangle 70">
             <a:extLst>
               <a:ext uri="{FF2B5EF4-FFF2-40B4-BE49-F238E27FC236}">
                 <a16:creationId xmlns:a16="http://schemas.microsoft.com/office/drawing/2014/main" id="{8D06CE56-3881-4ADA-8CEF-D18B02C242A3}"/>
@@ -14459,7 +14459,7 @@
       </p:sp>
       <p:sp>
         <p:nvSpPr>
-          <p:cNvPr id="25" name="Rectangle 24">
+          <p:cNvPr id="73" name="Rectangle 72">
             <a:extLst>
               <a:ext uri="{FF2B5EF4-FFF2-40B4-BE49-F238E27FC236}">
                 <a16:creationId xmlns:a16="http://schemas.microsoft.com/office/drawing/2014/main" id="{79F3C543-62EC-4433-9C93-A2CD8764E9B4}"/>
@@ -14555,10 +14555,10 @@
       </p:sp>
       <p:sp useBgFill="1">
         <p:nvSpPr>
-          <p:cNvPr id="27" name="Rectangle 26">
-            <a:extLst>
-              <a:ext uri="{FF2B5EF4-FFF2-40B4-BE49-F238E27FC236}">
-                <a16:creationId xmlns:a16="http://schemas.microsoft.com/office/drawing/2014/main" id="{C1A1C5D3-C053-4EE9-BE1A-419B6E27CCAE}"/>
+          <p:cNvPr id="75" name="Rectangle 74">
+            <a:extLst>
+              <a:ext uri="{FF2B5EF4-FFF2-40B4-BE49-F238E27FC236}">
+                <a16:creationId xmlns:a16="http://schemas.microsoft.com/office/drawing/2014/main" id="{88263A24-0C1F-4677-B43C-4AE14E276B27}"/>
               </a:ext>
               <a:ext uri="{C183D7F6-B498-43B3-948B-1728B52AA6E4}">
                 <adec:decorative xmlns:adec="http://schemas.microsoft.com/office/drawing/2017/decorative" val="1"/>
@@ -14615,10 +14615,10 @@
       </p:sp>
       <p:sp useBgFill="1">
         <p:nvSpPr>
-          <p:cNvPr id="29" name="Rectangle 28">
-            <a:extLst>
-              <a:ext uri="{FF2B5EF4-FFF2-40B4-BE49-F238E27FC236}">
-                <a16:creationId xmlns:a16="http://schemas.microsoft.com/office/drawing/2014/main" id="{A3473CF9-37EB-43E7-89EF-D2D1C53D1DAC}"/>
+          <p:cNvPr id="77" name="Rectangle 76">
+            <a:extLst>
+              <a:ext uri="{FF2B5EF4-FFF2-40B4-BE49-F238E27FC236}">
+                <a16:creationId xmlns:a16="http://schemas.microsoft.com/office/drawing/2014/main" id="{0ADDB668-2CA4-4D2B-9C34-3487CA330BA8}"/>
               </a:ext>
               <a:ext uri="{C183D7F6-B498-43B3-948B-1728B52AA6E4}">
                 <adec:decorative xmlns:adec="http://schemas.microsoft.com/office/drawing/2017/decorative" val="1"/>
@@ -14638,8 +14638,8 @@
         </p:nvSpPr>
         <p:spPr>
           <a:xfrm>
-            <a:off x="1903615" y="221673"/>
-            <a:ext cx="8384770" cy="1332634"/>
+            <a:off x="551553" y="304802"/>
+            <a:ext cx="11097349" cy="1573149"/>
           </a:xfrm>
           <a:prstGeom prst="rect">
             <a:avLst/>
@@ -14733,8 +14733,8 @@
         </p:nvSpPr>
         <p:spPr>
           <a:xfrm>
-            <a:off x="2103121" y="310343"/>
-            <a:ext cx="7985759" cy="868823"/>
+            <a:off x="868680" y="405575"/>
+            <a:ext cx="5001768" cy="1371600"/>
           </a:xfrm>
         </p:spPr>
         <p:txBody>
@@ -14743,9 +14743,8 @@
           </a:bodyPr>
           <a:lstStyle/>
           <a:p>
-            <a:pPr algn="ctr"/>
             <a:r>
-              <a:rPr lang="en-US" sz="2800"/>
+              <a:rPr lang="en-US" sz="3300"/>
               <a:t>Demonstração do Simulador de Sensores</a:t>
             </a:r>
           </a:p>
@@ -14753,10 +14752,10 @@
       </p:sp>
       <p:sp>
         <p:nvSpPr>
-          <p:cNvPr id="31" name="Rectangle: Rounded Corners 30">
-            <a:extLst>
-              <a:ext uri="{FF2B5EF4-FFF2-40B4-BE49-F238E27FC236}">
-                <a16:creationId xmlns:a16="http://schemas.microsoft.com/office/drawing/2014/main" id="{586B4EF9-43BA-4655-A6FF-1D8E21574C95}"/>
+          <p:cNvPr id="79" name="Rectangle 78">
+            <a:extLst>
+              <a:ext uri="{FF2B5EF4-FFF2-40B4-BE49-F238E27FC236}">
+                <a16:creationId xmlns:a16="http://schemas.microsoft.com/office/drawing/2014/main" id="{2568BC19-F052-4108-93E1-6A3D1DEC072F}"/>
               </a:ext>
               <a:ext uri="{C183D7F6-B498-43B3-948B-1728B52AA6E4}">
                 <adec:decorative xmlns:adec="http://schemas.microsoft.com/office/drawing/2017/decorative" val="1"/>
@@ -14776,13 +14775,11 @@
         </p:nvSpPr>
         <p:spPr>
           <a:xfrm>
-            <a:off x="2483110" y="1211407"/>
-            <a:ext cx="7225780" cy="685800"/>
-          </a:xfrm>
-          <a:prstGeom prst="roundRect">
-            <a:avLst>
-              <a:gd name="adj" fmla="val 0"/>
-            </a:avLst>
+            <a:off x="494784" y="764424"/>
+            <a:ext cx="128016" cy="653903"/>
+          </a:xfrm>
+          <a:prstGeom prst="rect">
+            <a:avLst/>
           </a:prstGeom>
           <a:solidFill>
             <a:schemeClr val="accent1"/>
@@ -14838,7 +14835,103 @@
               <a:effectLst/>
               <a:uLnTx/>
               <a:uFillTx/>
-              <a:latin typeface="Avenir Next LT Pro"/>
+              <a:latin typeface="Calibri" panose="020F0502020204030204"/>
+              <a:ea typeface="+mn-ea"/>
+              <a:cs typeface="+mn-cs"/>
+            </a:endParaRPr>
+          </a:p>
+        </p:txBody>
+      </p:sp>
+      <p:sp>
+        <p:nvSpPr>
+          <p:cNvPr id="81" name="Rectangle 80">
+            <a:extLst>
+              <a:ext uri="{FF2B5EF4-FFF2-40B4-BE49-F238E27FC236}">
+                <a16:creationId xmlns:a16="http://schemas.microsoft.com/office/drawing/2014/main" id="{D5FD337D-4D6B-4C8B-B6F5-121097E09881}"/>
+              </a:ext>
+              <a:ext uri="{C183D7F6-B498-43B3-948B-1728B52AA6E4}">
+                <adec:decorative xmlns:adec="http://schemas.microsoft.com/office/drawing/2017/decorative" val="1"/>
+              </a:ext>
+            </a:extLst>
+          </p:cNvPr>
+          <p:cNvSpPr>
+            <a:spLocks noGrp="1" noRot="1" noChangeAspect="1" noMove="1" noResize="1" noEditPoints="1" noAdjustHandles="1" noChangeArrowheads="1" noChangeShapeType="1" noTextEdit="1"/>
+          </p:cNvSpPr>
+          <p:nvPr>
+            <p:extLst>
+              <p:ext uri="{386F3935-93C4-4BCD-93E2-E3B085C9AB24}">
+                <p16:designElem xmlns:p16="http://schemas.microsoft.com/office/powerpoint/2015/main" val="1"/>
+              </p:ext>
+            </p:extLst>
+          </p:nvPr>
+        </p:nvSpPr>
+        <p:spPr>
+          <a:xfrm rot="5400000">
+            <a:off x="5586984" y="1071836"/>
+            <a:ext cx="1021458" cy="9144"/>
+          </a:xfrm>
+          <a:prstGeom prst="rect">
+            <a:avLst/>
+          </a:prstGeom>
+          <a:solidFill>
+            <a:schemeClr val="tx2">
+              <a:lumMod val="25000"/>
+              <a:lumOff val="75000"/>
+            </a:schemeClr>
+          </a:solidFill>
+          <a:ln w="3175">
+            <a:noFill/>
+          </a:ln>
+          <a:effectLst/>
+        </p:spPr>
+        <p:style>
+          <a:lnRef idx="2">
+            <a:schemeClr val="accent1">
+              <a:shade val="50000"/>
+            </a:schemeClr>
+          </a:lnRef>
+          <a:fillRef idx="1">
+            <a:schemeClr val="accent1"/>
+          </a:fillRef>
+          <a:effectRef idx="0">
+            <a:schemeClr val="accent1"/>
+          </a:effectRef>
+          <a:fontRef idx="minor">
+            <a:schemeClr val="lt1"/>
+          </a:fontRef>
+        </p:style>
+        <p:txBody>
+          <a:bodyPr rtlCol="0" anchor="ctr"/>
+          <a:lstStyle/>
+          <a:p>
+            <a:pPr marL="0" marR="0" lvl="0" indent="0" algn="ctr" defTabSz="914400" rtl="0" eaLnBrk="1" fontAlgn="auto" latinLnBrk="0" hangingPunct="1">
+              <a:lnSpc>
+                <a:spcPct val="100000"/>
+              </a:lnSpc>
+              <a:spcBef>
+                <a:spcPts val="0"/>
+              </a:spcBef>
+              <a:spcAft>
+                <a:spcPts val="0"/>
+              </a:spcAft>
+              <a:buClrTx/>
+              <a:buSzTx/>
+              <a:buFontTx/>
+              <a:buNone/>
+              <a:tabLst/>
+              <a:defRPr/>
+            </a:pPr>
+            <a:endParaRPr kumimoji="0" lang="en-US" sz="1800" b="0" i="0" u="none" strike="noStrike" kern="1200" cap="none" spc="0" normalizeH="0" baseline="0" noProof="0">
+              <a:ln>
+                <a:noFill/>
+              </a:ln>
+              <a:solidFill>
+                <a:prstClr val="white"/>
+              </a:solidFill>
+              <a:effectLst/>
+              <a:uLnTx/>
+              <a:uFillTx/>
+              <a:latin typeface="Calibri" panose="020F0502020204030204"/>
               <a:ea typeface="+mn-ea"/>
               <a:cs typeface="+mn-cs"/>
             </a:endParaRPr>
@@ -14867,12 +14960,59 @@
         </p:blipFill>
         <p:spPr>
           <a:xfrm>
-            <a:off x="1219199" y="2135805"/>
-            <a:ext cx="9753602" cy="4096512"/>
+            <a:off x="1020003" y="2190991"/>
+            <a:ext cx="10146276" cy="4261434"/>
           </a:xfrm>
           <a:prstGeom prst="rect">
             <a:avLst/>
           </a:prstGeom>
+        </p:spPr>
+      </p:pic>
+      <p:pic>
+        <p:nvPicPr>
+          <p:cNvPr id="1032" name="Picture 8" descr="Conhecendo o Node.js. Vamos entender como funciona o processo… | by Thiago  S. Adriano | Medium">
+            <a:extLst>
+              <a:ext uri="{FF2B5EF4-FFF2-40B4-BE49-F238E27FC236}">
+                <a16:creationId xmlns:a16="http://schemas.microsoft.com/office/drawing/2014/main" id="{0900931A-310A-47D5-8950-EE34270360B3}"/>
+              </a:ext>
+            </a:extLst>
+          </p:cNvPr>
+          <p:cNvPicPr>
+            <a:picLocks noChangeAspect="1" noChangeArrowheads="1"/>
+          </p:cNvPicPr>
+          <p:nvPr/>
+        </p:nvPicPr>
+        <p:blipFill>
+          <a:blip r:embed="rId3">
+            <a:extLst>
+              <a:ext uri="{28A0092B-C50C-407E-A947-70E740481C1C}">
+                <a14:useLocalDpi xmlns:a14="http://schemas.microsoft.com/office/drawing/2010/main" val="0"/>
+              </a:ext>
+            </a:extLst>
+          </a:blip>
+          <a:srcRect/>
+          <a:stretch>
+            <a:fillRect/>
+          </a:stretch>
+        </p:blipFill>
+        <p:spPr bwMode="auto">
+          <a:xfrm>
+            <a:off x="6196003" y="-322791"/>
+            <a:ext cx="5359180" cy="2679590"/>
+          </a:xfrm>
+          <a:prstGeom prst="rect">
+            <a:avLst/>
+          </a:prstGeom>
+          <a:noFill/>
+          <a:extLst>
+            <a:ext uri="{909E8E84-426E-40DD-AFC4-6F175D3DCCD1}">
+              <a14:hiddenFill xmlns:a14="http://schemas.microsoft.com/office/drawing/2010/main">
+                <a:solidFill>
+                  <a:srgbClr val="FFFFFF"/>
+                </a:solidFill>
+              </a14:hiddenFill>
+            </a:ext>
+          </a:extLst>
         </p:spPr>
       </p:pic>
     </p:spTree>
